--- a/Work Experience.pptx
+++ b/Work Experience.pptx
@@ -263,7 +263,8 @@
           <a:p>
             <a:fld id="{BCB53BF3-A5D8-42A3-9EEC-4B863D7479AC}" type="datetimeFigureOut">
               <a:rPr kumimoji="1" lang="ja-JP" altLang="en-US" smtClean="0"/>
-              <a:t>2019/5/20</a:t>
+              <a:pPr/>
+              <a:t>2019/5/21</a:t>
             </a:fld>
             <a:endParaRPr kumimoji="1" lang="ja-JP" altLang="en-US"/>
           </a:p>
@@ -305,6 +306,7 @@
           <a:p>
             <a:fld id="{78AED8E8-35F4-4F96-8B22-4FCB833312D4}" type="slidenum">
               <a:rPr kumimoji="1" lang="ja-JP" altLang="en-US" smtClean="0"/>
+              <a:pPr/>
               <a:t>‹#›</a:t>
             </a:fld>
             <a:endParaRPr kumimoji="1" lang="ja-JP" altLang="en-US"/>
@@ -314,7 +316,7 @@
     </p:spTree>
     <p:extLst>
       <p:ext uri="{BB962C8B-B14F-4D97-AF65-F5344CB8AC3E}">
-        <p14:creationId xmlns:p14="http://schemas.microsoft.com/office/powerpoint/2010/main" val="1669062012"/>
+        <p14:creationId xmlns="" xmlns:p14="http://schemas.microsoft.com/office/powerpoint/2010/main" val="1669062012"/>
       </p:ext>
     </p:extLst>
   </p:cSld>
@@ -570,7 +572,8 @@
           <a:p>
             <a:fld id="{BCB53BF3-A5D8-42A3-9EEC-4B863D7479AC}" type="datetimeFigureOut">
               <a:rPr kumimoji="1" lang="ja-JP" altLang="en-US" smtClean="0"/>
-              <a:t>2019/5/20</a:t>
+              <a:pPr/>
+              <a:t>2019/5/21</a:t>
             </a:fld>
             <a:endParaRPr kumimoji="1" lang="ja-JP" altLang="en-US"/>
           </a:p>
@@ -612,6 +615,7 @@
           <a:p>
             <a:fld id="{78AED8E8-35F4-4F96-8B22-4FCB833312D4}" type="slidenum">
               <a:rPr kumimoji="1" lang="ja-JP" altLang="en-US" smtClean="0"/>
+              <a:pPr/>
               <a:t>‹#›</a:t>
             </a:fld>
             <a:endParaRPr kumimoji="1" lang="ja-JP" altLang="en-US"/>
@@ -621,7 +625,7 @@
     </p:spTree>
     <p:extLst>
       <p:ext uri="{BB962C8B-B14F-4D97-AF65-F5344CB8AC3E}">
-        <p14:creationId xmlns:p14="http://schemas.microsoft.com/office/powerpoint/2010/main" val="393872725"/>
+        <p14:creationId xmlns="" xmlns:p14="http://schemas.microsoft.com/office/powerpoint/2010/main" val="393872725"/>
       </p:ext>
     </p:extLst>
   </p:cSld>
@@ -822,7 +826,8 @@
           <a:p>
             <a:fld id="{BCB53BF3-A5D8-42A3-9EEC-4B863D7479AC}" type="datetimeFigureOut">
               <a:rPr kumimoji="1" lang="ja-JP" altLang="en-US" smtClean="0"/>
-              <a:t>2019/5/20</a:t>
+              <a:pPr/>
+              <a:t>2019/5/21</a:t>
             </a:fld>
             <a:endParaRPr kumimoji="1" lang="ja-JP" altLang="en-US"/>
           </a:p>
@@ -864,6 +869,7 @@
           <a:p>
             <a:fld id="{78AED8E8-35F4-4F96-8B22-4FCB833312D4}" type="slidenum">
               <a:rPr kumimoji="1" lang="ja-JP" altLang="en-US" smtClean="0"/>
+              <a:pPr/>
               <a:t>‹#›</a:t>
             </a:fld>
             <a:endParaRPr kumimoji="1" lang="ja-JP" altLang="en-US"/>
@@ -873,7 +879,7 @@
     </p:spTree>
     <p:extLst>
       <p:ext uri="{BB962C8B-B14F-4D97-AF65-F5344CB8AC3E}">
-        <p14:creationId xmlns:p14="http://schemas.microsoft.com/office/powerpoint/2010/main" val="2349355311"/>
+        <p14:creationId xmlns="" xmlns:p14="http://schemas.microsoft.com/office/powerpoint/2010/main" val="2349355311"/>
       </p:ext>
     </p:extLst>
   </p:cSld>
@@ -1022,7 +1028,8 @@
           <a:p>
             <a:fld id="{BCB53BF3-A5D8-42A3-9EEC-4B863D7479AC}" type="datetimeFigureOut">
               <a:rPr kumimoji="1" lang="ja-JP" altLang="en-US" smtClean="0"/>
-              <a:t>2019/5/20</a:t>
+              <a:pPr/>
+              <a:t>2019/5/21</a:t>
             </a:fld>
             <a:endParaRPr kumimoji="1" lang="ja-JP" altLang="en-US"/>
           </a:p>
@@ -1064,6 +1071,7 @@
           <a:p>
             <a:fld id="{78AED8E8-35F4-4F96-8B22-4FCB833312D4}" type="slidenum">
               <a:rPr kumimoji="1" lang="ja-JP" altLang="en-US" smtClean="0"/>
+              <a:pPr/>
               <a:t>‹#›</a:t>
             </a:fld>
             <a:endParaRPr kumimoji="1" lang="ja-JP" altLang="en-US"/>
@@ -1073,7 +1081,7 @@
     </p:spTree>
     <p:extLst>
       <p:ext uri="{BB962C8B-B14F-4D97-AF65-F5344CB8AC3E}">
-        <p14:creationId xmlns:p14="http://schemas.microsoft.com/office/powerpoint/2010/main" val="1150991382"/>
+        <p14:creationId xmlns="" xmlns:p14="http://schemas.microsoft.com/office/powerpoint/2010/main" val="1150991382"/>
       </p:ext>
     </p:extLst>
   </p:cSld>
@@ -1232,7 +1240,8 @@
           <a:p>
             <a:fld id="{BCB53BF3-A5D8-42A3-9EEC-4B863D7479AC}" type="datetimeFigureOut">
               <a:rPr kumimoji="1" lang="ja-JP" altLang="en-US" smtClean="0"/>
-              <a:t>2019/5/20</a:t>
+              <a:pPr/>
+              <a:t>2019/5/21</a:t>
             </a:fld>
             <a:endParaRPr kumimoji="1" lang="ja-JP" altLang="en-US"/>
           </a:p>
@@ -1274,6 +1283,7 @@
           <a:p>
             <a:fld id="{78AED8E8-35F4-4F96-8B22-4FCB833312D4}" type="slidenum">
               <a:rPr kumimoji="1" lang="ja-JP" altLang="en-US" smtClean="0"/>
+              <a:pPr/>
               <a:t>‹#›</a:t>
             </a:fld>
             <a:endParaRPr kumimoji="1" lang="ja-JP" altLang="en-US"/>
@@ -1283,7 +1293,7 @@
     </p:spTree>
     <p:extLst>
       <p:ext uri="{BB962C8B-B14F-4D97-AF65-F5344CB8AC3E}">
-        <p14:creationId xmlns:p14="http://schemas.microsoft.com/office/powerpoint/2010/main" val="3047203553"/>
+        <p14:creationId xmlns="" xmlns:p14="http://schemas.microsoft.com/office/powerpoint/2010/main" val="3047203553"/>
       </p:ext>
     </p:extLst>
   </p:cSld>
@@ -1432,7 +1442,8 @@
           <a:p>
             <a:fld id="{BCB53BF3-A5D8-42A3-9EEC-4B863D7479AC}" type="datetimeFigureOut">
               <a:rPr kumimoji="1" lang="ja-JP" altLang="en-US" smtClean="0"/>
-              <a:t>2019/5/20</a:t>
+              <a:pPr/>
+              <a:t>2019/5/21</a:t>
             </a:fld>
             <a:endParaRPr kumimoji="1" lang="ja-JP" altLang="en-US"/>
           </a:p>
@@ -1474,6 +1485,7 @@
           <a:p>
             <a:fld id="{78AED8E8-35F4-4F96-8B22-4FCB833312D4}" type="slidenum">
               <a:rPr kumimoji="1" lang="ja-JP" altLang="en-US" smtClean="0"/>
+              <a:pPr/>
               <a:t>‹#›</a:t>
             </a:fld>
             <a:endParaRPr kumimoji="1" lang="ja-JP" altLang="en-US"/>
@@ -1483,7 +1495,7 @@
     </p:spTree>
     <p:extLst>
       <p:ext uri="{BB962C8B-B14F-4D97-AF65-F5344CB8AC3E}">
-        <p14:creationId xmlns:p14="http://schemas.microsoft.com/office/powerpoint/2010/main" val="3341033064"/>
+        <p14:creationId xmlns="" xmlns:p14="http://schemas.microsoft.com/office/powerpoint/2010/main" val="3341033064"/>
       </p:ext>
     </p:extLst>
   </p:cSld>
@@ -1677,7 +1689,8 @@
           <a:p>
             <a:fld id="{BCB53BF3-A5D8-42A3-9EEC-4B863D7479AC}" type="datetimeFigureOut">
               <a:rPr kumimoji="1" lang="ja-JP" altLang="en-US" smtClean="0"/>
-              <a:t>2019/5/20</a:t>
+              <a:pPr/>
+              <a:t>2019/5/21</a:t>
             </a:fld>
             <a:endParaRPr kumimoji="1" lang="ja-JP" altLang="en-US"/>
           </a:p>
@@ -1719,6 +1732,7 @@
           <a:p>
             <a:fld id="{78AED8E8-35F4-4F96-8B22-4FCB833312D4}" type="slidenum">
               <a:rPr kumimoji="1" lang="ja-JP" altLang="en-US" smtClean="0"/>
+              <a:pPr/>
               <a:t>‹#›</a:t>
             </a:fld>
             <a:endParaRPr kumimoji="1" lang="ja-JP" altLang="en-US"/>
@@ -1728,7 +1742,7 @@
     </p:spTree>
     <p:extLst>
       <p:ext uri="{BB962C8B-B14F-4D97-AF65-F5344CB8AC3E}">
-        <p14:creationId xmlns:p14="http://schemas.microsoft.com/office/powerpoint/2010/main" val="3364231531"/>
+        <p14:creationId xmlns="" xmlns:p14="http://schemas.microsoft.com/office/powerpoint/2010/main" val="3364231531"/>
       </p:ext>
     </p:extLst>
   </p:cSld>
@@ -1970,7 +1984,8 @@
           <a:p>
             <a:fld id="{BCB53BF3-A5D8-42A3-9EEC-4B863D7479AC}" type="datetimeFigureOut">
               <a:rPr kumimoji="1" lang="ja-JP" altLang="en-US" smtClean="0"/>
-              <a:t>2019/5/20</a:t>
+              <a:pPr/>
+              <a:t>2019/5/21</a:t>
             </a:fld>
             <a:endParaRPr kumimoji="1" lang="ja-JP" altLang="en-US"/>
           </a:p>
@@ -2012,6 +2027,7 @@
           <a:p>
             <a:fld id="{78AED8E8-35F4-4F96-8B22-4FCB833312D4}" type="slidenum">
               <a:rPr kumimoji="1" lang="ja-JP" altLang="en-US" smtClean="0"/>
+              <a:pPr/>
               <a:t>‹#›</a:t>
             </a:fld>
             <a:endParaRPr kumimoji="1" lang="ja-JP" altLang="en-US"/>
@@ -2021,7 +2037,7 @@
     </p:spTree>
     <p:extLst>
       <p:ext uri="{BB962C8B-B14F-4D97-AF65-F5344CB8AC3E}">
-        <p14:creationId xmlns:p14="http://schemas.microsoft.com/office/powerpoint/2010/main" val="3882796039"/>
+        <p14:creationId xmlns="" xmlns:p14="http://schemas.microsoft.com/office/powerpoint/2010/main" val="3882796039"/>
       </p:ext>
     </p:extLst>
   </p:cSld>
@@ -2398,7 +2414,8 @@
           <a:p>
             <a:fld id="{BCB53BF3-A5D8-42A3-9EEC-4B863D7479AC}" type="datetimeFigureOut">
               <a:rPr kumimoji="1" lang="ja-JP" altLang="en-US" smtClean="0"/>
-              <a:t>2019/5/20</a:t>
+              <a:pPr/>
+              <a:t>2019/5/21</a:t>
             </a:fld>
             <a:endParaRPr kumimoji="1" lang="ja-JP" altLang="en-US"/>
           </a:p>
@@ -2440,6 +2457,7 @@
           <a:p>
             <a:fld id="{78AED8E8-35F4-4F96-8B22-4FCB833312D4}" type="slidenum">
               <a:rPr kumimoji="1" lang="ja-JP" altLang="en-US" smtClean="0"/>
+              <a:pPr/>
               <a:t>‹#›</a:t>
             </a:fld>
             <a:endParaRPr kumimoji="1" lang="ja-JP" altLang="en-US"/>
@@ -2449,7 +2467,7 @@
     </p:spTree>
     <p:extLst>
       <p:ext uri="{BB962C8B-B14F-4D97-AF65-F5344CB8AC3E}">
-        <p14:creationId xmlns:p14="http://schemas.microsoft.com/office/powerpoint/2010/main" val="2385953546"/>
+        <p14:creationId xmlns="" xmlns:p14="http://schemas.microsoft.com/office/powerpoint/2010/main" val="2385953546"/>
       </p:ext>
     </p:extLst>
   </p:cSld>
@@ -2515,7 +2533,8 @@
           <a:p>
             <a:fld id="{BCB53BF3-A5D8-42A3-9EEC-4B863D7479AC}" type="datetimeFigureOut">
               <a:rPr kumimoji="1" lang="ja-JP" altLang="en-US" smtClean="0"/>
-              <a:t>2019/5/20</a:t>
+              <a:pPr/>
+              <a:t>2019/5/21</a:t>
             </a:fld>
             <a:endParaRPr kumimoji="1" lang="ja-JP" altLang="en-US"/>
           </a:p>
@@ -2557,6 +2576,7 @@
           <a:p>
             <a:fld id="{78AED8E8-35F4-4F96-8B22-4FCB833312D4}" type="slidenum">
               <a:rPr kumimoji="1" lang="ja-JP" altLang="en-US" smtClean="0"/>
+              <a:pPr/>
               <a:t>‹#›</a:t>
             </a:fld>
             <a:endParaRPr kumimoji="1" lang="ja-JP" altLang="en-US"/>
@@ -2566,7 +2586,7 @@
     </p:spTree>
     <p:extLst>
       <p:ext uri="{BB962C8B-B14F-4D97-AF65-F5344CB8AC3E}">
-        <p14:creationId xmlns:p14="http://schemas.microsoft.com/office/powerpoint/2010/main" val="3856524633"/>
+        <p14:creationId xmlns="" xmlns:p14="http://schemas.microsoft.com/office/powerpoint/2010/main" val="3856524633"/>
       </p:ext>
     </p:extLst>
   </p:cSld>
@@ -2610,7 +2630,8 @@
           <a:p>
             <a:fld id="{BCB53BF3-A5D8-42A3-9EEC-4B863D7479AC}" type="datetimeFigureOut">
               <a:rPr kumimoji="1" lang="ja-JP" altLang="en-US" smtClean="0"/>
-              <a:t>2019/5/20</a:t>
+              <a:pPr/>
+              <a:t>2019/5/21</a:t>
             </a:fld>
             <a:endParaRPr kumimoji="1" lang="ja-JP" altLang="en-US"/>
           </a:p>
@@ -2652,6 +2673,7 @@
           <a:p>
             <a:fld id="{78AED8E8-35F4-4F96-8B22-4FCB833312D4}" type="slidenum">
               <a:rPr kumimoji="1" lang="ja-JP" altLang="en-US" smtClean="0"/>
+              <a:pPr/>
               <a:t>‹#›</a:t>
             </a:fld>
             <a:endParaRPr kumimoji="1" lang="ja-JP" altLang="en-US"/>
@@ -2661,7 +2683,7 @@
     </p:spTree>
     <p:extLst>
       <p:ext uri="{BB962C8B-B14F-4D97-AF65-F5344CB8AC3E}">
-        <p14:creationId xmlns:p14="http://schemas.microsoft.com/office/powerpoint/2010/main" val="3842668282"/>
+        <p14:creationId xmlns="" xmlns:p14="http://schemas.microsoft.com/office/powerpoint/2010/main" val="3842668282"/>
       </p:ext>
     </p:extLst>
   </p:cSld>
@@ -2743,7 +2765,7 @@
     </p:spTree>
     <p:extLst>
       <p:ext uri="{BB962C8B-B14F-4D97-AF65-F5344CB8AC3E}">
-        <p14:creationId xmlns:p14="http://schemas.microsoft.com/office/powerpoint/2010/main" val="784990687"/>
+        <p14:creationId xmlns="" xmlns:p14="http://schemas.microsoft.com/office/powerpoint/2010/main" val="784990687"/>
       </p:ext>
     </p:extLst>
   </p:cSld>
@@ -2825,7 +2847,7 @@
     </p:spTree>
     <p:extLst>
       <p:ext uri="{BB962C8B-B14F-4D97-AF65-F5344CB8AC3E}">
-        <p14:creationId xmlns:p14="http://schemas.microsoft.com/office/powerpoint/2010/main" val="1499416444"/>
+        <p14:creationId xmlns="" xmlns:p14="http://schemas.microsoft.com/office/powerpoint/2010/main" val="1499416444"/>
       </p:ext>
     </p:extLst>
   </p:cSld>
@@ -3017,7 +3039,8 @@
           <a:p>
             <a:fld id="{BCB53BF3-A5D8-42A3-9EEC-4B863D7479AC}" type="datetimeFigureOut">
               <a:rPr kumimoji="1" lang="ja-JP" altLang="en-US" smtClean="0"/>
-              <a:t>2019/5/20</a:t>
+              <a:pPr/>
+              <a:t>2019/5/21</a:t>
             </a:fld>
             <a:endParaRPr kumimoji="1" lang="ja-JP" altLang="en-US"/>
           </a:p>
@@ -3095,6 +3118,7 @@
           <a:p>
             <a:fld id="{78AED8E8-35F4-4F96-8B22-4FCB833312D4}" type="slidenum">
               <a:rPr kumimoji="1" lang="ja-JP" altLang="en-US" smtClean="0"/>
+              <a:pPr/>
               <a:t>‹#›</a:t>
             </a:fld>
             <a:endParaRPr kumimoji="1" lang="ja-JP" altLang="en-US"/>
@@ -3104,7 +3128,7 @@
     </p:spTree>
     <p:extLst>
       <p:ext uri="{BB962C8B-B14F-4D97-AF65-F5344CB8AC3E}">
-        <p14:creationId xmlns:p14="http://schemas.microsoft.com/office/powerpoint/2010/main" val="2600282793"/>
+        <p14:creationId xmlns="" xmlns:p14="http://schemas.microsoft.com/office/powerpoint/2010/main" val="2600282793"/>
       </p:ext>
     </p:extLst>
   </p:cSld>
@@ -3436,7 +3460,7 @@
           <a:blip r:embed="rId2" cstate="print">
             <a:extLst>
               <a:ext uri="{28A0092B-C50C-407E-A947-70E740481C1C}">
-                <a14:useLocalDpi xmlns:a14="http://schemas.microsoft.com/office/drawing/2010/main" val="0"/>
+                <a14:useLocalDpi xmlns="" xmlns:a14="http://schemas.microsoft.com/office/drawing/2010/main" val="0"/>
               </a:ext>
             </a:extLst>
           </a:blip>
@@ -3559,7 +3583,7 @@
     </p:spTree>
     <p:extLst>
       <p:ext uri="{BB962C8B-B14F-4D97-AF65-F5344CB8AC3E}">
-        <p14:creationId xmlns:p14="http://schemas.microsoft.com/office/powerpoint/2010/main" val="2166285973"/>
+        <p14:creationId xmlns="" xmlns:p14="http://schemas.microsoft.com/office/powerpoint/2010/main" val="2166285973"/>
       </p:ext>
     </p:extLst>
   </p:cSld>
@@ -3691,20 +3715,7 @@
                 <a:latin typeface="Century Gothic" panose="020B0502020202020204" pitchFamily="34" charset="0"/>
                 <a:cs typeface="Ebrima" panose="02000000000000000000" pitchFamily="2" charset="0"/>
               </a:rPr>
-              <a:t>대리운전 </a:t>
-            </a:r>
-            <a:r>
-              <a:rPr lang="ko-KR" altLang="en-US" sz="3600" b="1" spc="300" dirty="0" smtClean="0">
-                <a:solidFill>
-                  <a:schemeClr val="tx1">
-                    <a:lumMod val="75000"/>
-                    <a:lumOff val="25000"/>
-                  </a:schemeClr>
-                </a:solidFill>
-                <a:latin typeface="Century Gothic" panose="020B0502020202020204" pitchFamily="34" charset="0"/>
-                <a:cs typeface="Ebrima" panose="02000000000000000000" pitchFamily="2" charset="0"/>
-              </a:rPr>
-              <a:t>시스템</a:t>
+              <a:t>대리운전 시스템</a:t>
             </a:r>
             <a:endParaRPr kumimoji="1" lang="ja-JP" altLang="en-US" sz="3600" b="1" spc="300" dirty="0">
               <a:solidFill>
@@ -5044,7 +5055,6 @@
               <a:rPr lang="en-US" altLang="ko-KR" sz="1200" dirty="0" smtClean="0"/>
               <a:t>Framework</a:t>
             </a:r>
-            <a:endParaRPr lang="en-US" altLang="ko-KR" sz="1200" dirty="0" smtClean="0"/>
           </a:p>
         </p:txBody>
       </p:sp>
@@ -5081,7 +5091,7 @@
     </p:spTree>
     <p:extLst>
       <p:ext uri="{BB962C8B-B14F-4D97-AF65-F5344CB8AC3E}">
-        <p14:creationId xmlns:p14="http://schemas.microsoft.com/office/powerpoint/2010/main" val="3760192410"/>
+        <p14:creationId xmlns="" xmlns:p14="http://schemas.microsoft.com/office/powerpoint/2010/main" val="3760192410"/>
       </p:ext>
     </p:extLst>
   </p:cSld>
@@ -5123,7 +5133,7 @@
           <a:blip r:embed="rId2" cstate="print">
             <a:extLst>
               <a:ext uri="{28A0092B-C50C-407E-A947-70E740481C1C}">
-                <a14:useLocalDpi xmlns:a14="http://schemas.microsoft.com/office/drawing/2010/main" val="0"/>
+                <a14:useLocalDpi xmlns="" xmlns:a14="http://schemas.microsoft.com/office/drawing/2010/main" val="0"/>
               </a:ext>
             </a:extLst>
           </a:blip>
@@ -5309,7 +5319,7 @@
         <p:spPr>
           <a:xfrm>
             <a:off x="619125" y="2023110"/>
-            <a:ext cx="6467476" cy="3693319"/>
+            <a:ext cx="6467476" cy="3354765"/>
           </a:xfrm>
           <a:prstGeom prst="rect">
             <a:avLst/>
@@ -5359,191 +5369,191 @@
           <a:p>
             <a:pPr latinLnBrk="1"/>
             <a:r>
-              <a:rPr lang="en-US" altLang="ko-KR" dirty="0"/>
+              <a:rPr lang="en-US" altLang="ko-KR" sz="1600" dirty="0"/>
               <a:t>  - </a:t>
             </a:r>
             <a:r>
-              <a:rPr lang="ko-KR" altLang="ko-KR" dirty="0"/>
+              <a:rPr lang="ko-KR" altLang="ko-KR" sz="1600" dirty="0"/>
               <a:t>담당 기간</a:t>
             </a:r>
             <a:r>
-              <a:rPr lang="en-US" altLang="ko-KR" dirty="0"/>
+              <a:rPr lang="en-US" altLang="ko-KR" sz="1600" dirty="0"/>
               <a:t> : 2016.01. ~ 2016.11</a:t>
             </a:r>
             <a:r>
-              <a:rPr lang="en-US" altLang="ko-KR" dirty="0" smtClean="0"/>
+              <a:rPr lang="en-US" altLang="ko-KR" sz="1600" dirty="0" smtClean="0"/>
               <a:t>.</a:t>
             </a:r>
           </a:p>
           <a:p>
             <a:pPr latinLnBrk="1"/>
-            <a:endParaRPr lang="ko-KR" altLang="ko-KR" dirty="0"/>
+            <a:endParaRPr lang="ko-KR" altLang="ko-KR" sz="1600" dirty="0"/>
           </a:p>
           <a:p>
             <a:pPr latinLnBrk="1"/>
             <a:r>
-              <a:rPr lang="en-US" altLang="ko-KR" dirty="0"/>
+              <a:rPr lang="en-US" altLang="ko-KR" sz="1600" dirty="0"/>
               <a:t>  - </a:t>
             </a:r>
             <a:r>
-              <a:rPr lang="ko-KR" altLang="ko-KR" dirty="0"/>
+              <a:rPr lang="ko-KR" altLang="ko-KR" sz="1600" dirty="0"/>
               <a:t>담당 업무</a:t>
             </a:r>
             <a:r>
-              <a:rPr lang="en-US" altLang="ko-KR" dirty="0"/>
+              <a:rPr lang="en-US" altLang="ko-KR" sz="1600" dirty="0"/>
               <a:t> : </a:t>
             </a:r>
             <a:r>
-              <a:rPr lang="ko-KR" altLang="ko-KR" dirty="0"/>
+              <a:rPr lang="ko-KR" altLang="ko-KR" sz="1600" dirty="0"/>
               <a:t>프로그래밍</a:t>
             </a:r>
             <a:r>
-              <a:rPr lang="en-US" altLang="ko-KR" dirty="0"/>
+              <a:rPr lang="en-US" altLang="ko-KR" sz="1600" dirty="0"/>
               <a:t>, </a:t>
             </a:r>
             <a:r>
-              <a:rPr lang="ko-KR" altLang="ko-KR" dirty="0"/>
+              <a:rPr lang="ko-KR" altLang="ko-KR" sz="1600" dirty="0"/>
               <a:t>신규 서비스 도입</a:t>
             </a:r>
             <a:r>
-              <a:rPr lang="en-US" altLang="ko-KR" dirty="0"/>
+              <a:rPr lang="en-US" altLang="ko-KR" sz="1600" dirty="0"/>
               <a:t>, </a:t>
             </a:r>
             <a:r>
-              <a:rPr lang="ko-KR" altLang="ko-KR" dirty="0"/>
+              <a:rPr lang="ko-KR" altLang="ko-KR" sz="1600" dirty="0"/>
               <a:t>서비스 </a:t>
             </a:r>
             <a:r>
-              <a:rPr lang="ko-KR" altLang="ko-KR" dirty="0" smtClean="0"/>
+              <a:rPr lang="ko-KR" altLang="ko-KR" sz="1600" dirty="0" smtClean="0"/>
               <a:t>안정화</a:t>
             </a:r>
-            <a:endParaRPr lang="en-US" altLang="ko-KR" dirty="0" smtClean="0"/>
+            <a:endParaRPr lang="en-US" altLang="ko-KR" sz="1600" dirty="0" smtClean="0"/>
           </a:p>
           <a:p>
             <a:pPr latinLnBrk="1"/>
-            <a:endParaRPr lang="ko-KR" altLang="ko-KR" dirty="0"/>
+            <a:endParaRPr lang="ko-KR" altLang="ko-KR" sz="1600" dirty="0"/>
           </a:p>
           <a:p>
             <a:pPr latinLnBrk="1"/>
             <a:r>
-              <a:rPr lang="en-US" altLang="ko-KR" dirty="0"/>
+              <a:rPr lang="en-US" altLang="ko-KR" sz="1600" dirty="0"/>
               <a:t>  - </a:t>
             </a:r>
             <a:r>
-              <a:rPr lang="ko-KR" altLang="ko-KR" dirty="0"/>
+              <a:rPr lang="ko-KR" altLang="ko-KR" sz="1600" dirty="0"/>
               <a:t>개발 환경</a:t>
             </a:r>
             <a:r>
-              <a:rPr lang="en-US" altLang="ko-KR" dirty="0"/>
+              <a:rPr lang="en-US" altLang="ko-KR" sz="1600" dirty="0"/>
               <a:t> : </a:t>
             </a:r>
-            <a:endParaRPr lang="en-US" altLang="ko-KR" dirty="0" smtClean="0"/>
+            <a:endParaRPr lang="en-US" altLang="ko-KR" sz="1600" dirty="0" smtClean="0"/>
           </a:p>
           <a:p>
             <a:pPr latinLnBrk="1"/>
             <a:r>
-              <a:rPr lang="en-US" altLang="ko-KR" dirty="0"/>
+              <a:rPr lang="en-US" altLang="ko-KR" sz="1600" dirty="0"/>
               <a:t>	</a:t>
             </a:r>
             <a:r>
-              <a:rPr lang="en-US" altLang="ko-KR" dirty="0" smtClean="0"/>
+              <a:rPr lang="en-US" altLang="ko-KR" sz="1600" dirty="0" smtClean="0"/>
               <a:t>- C</a:t>
             </a:r>
             <a:r>
-              <a:rPr lang="en-US" altLang="ko-KR" dirty="0"/>
+              <a:rPr lang="en-US" altLang="ko-KR" sz="1600" dirty="0"/>
               <a:t>#, ASP.net(WEB</a:t>
             </a:r>
             <a:r>
-              <a:rPr lang="en-US" altLang="ko-KR" dirty="0" smtClean="0"/>
+              <a:rPr lang="en-US" altLang="ko-KR" sz="1600" dirty="0" smtClean="0"/>
               <a:t>) </a:t>
             </a:r>
             <a:r>
-              <a:rPr lang="en-US" altLang="ko-KR" dirty="0"/>
+              <a:rPr lang="en-US" altLang="ko-KR" sz="1600" dirty="0"/>
               <a:t>(</a:t>
             </a:r>
             <a:r>
-              <a:rPr lang="en-US" altLang="ko-KR" dirty="0" err="1"/>
+              <a:rPr lang="en-US" altLang="ko-KR" sz="1600" dirty="0" err="1"/>
               <a:t>.Net</a:t>
             </a:r>
             <a:r>
-              <a:rPr lang="en-US" altLang="ko-KR" dirty="0"/>
+              <a:rPr lang="en-US" altLang="ko-KR" sz="1600" dirty="0"/>
               <a:t> Framework 3.5)</a:t>
             </a:r>
             <a:r>
-              <a:rPr lang="ko-KR" altLang="en-US" b="1" dirty="0"/>
+              <a:rPr lang="ko-KR" altLang="en-US" sz="1600" b="1" dirty="0"/>
               <a:t> </a:t>
             </a:r>
-            <a:endParaRPr lang="en-US" altLang="ko-KR" dirty="0" smtClean="0"/>
+            <a:endParaRPr lang="en-US" altLang="ko-KR" sz="1600" dirty="0" smtClean="0"/>
           </a:p>
           <a:p>
             <a:pPr latinLnBrk="1"/>
             <a:r>
-              <a:rPr lang="en-US" altLang="ko-KR" dirty="0"/>
+              <a:rPr lang="en-US" altLang="ko-KR" sz="1600" dirty="0"/>
               <a:t>	</a:t>
             </a:r>
             <a:r>
-              <a:rPr lang="en-US" altLang="ko-KR" dirty="0" smtClean="0"/>
+              <a:rPr lang="en-US" altLang="ko-KR" sz="1600" dirty="0" smtClean="0"/>
               <a:t>- </a:t>
             </a:r>
             <a:r>
-              <a:rPr lang="en-US" altLang="ko-KR" dirty="0"/>
+              <a:rPr lang="en-US" altLang="ko-KR" sz="1600" dirty="0"/>
               <a:t>MS-SQL, </a:t>
             </a:r>
             <a:r>
-              <a:rPr lang="en-US" altLang="ko-KR" dirty="0" smtClean="0"/>
+              <a:rPr lang="en-US" altLang="ko-KR" sz="1600" dirty="0" smtClean="0"/>
               <a:t>MY-SQL</a:t>
             </a:r>
           </a:p>
           <a:p>
             <a:pPr latinLnBrk="1"/>
-            <a:endParaRPr lang="ko-KR" altLang="ko-KR" dirty="0"/>
+            <a:endParaRPr lang="ko-KR" altLang="ko-KR" sz="1600" dirty="0"/>
           </a:p>
           <a:p>
             <a:pPr latinLnBrk="1"/>
             <a:r>
-              <a:rPr lang="en-US" altLang="ko-KR" dirty="0"/>
+              <a:rPr lang="en-US" altLang="ko-KR" sz="1600" dirty="0"/>
               <a:t>  - </a:t>
             </a:r>
             <a:r>
-              <a:rPr lang="ko-KR" altLang="ko-KR" dirty="0" err="1"/>
+              <a:rPr lang="ko-KR" altLang="ko-KR" sz="1600" dirty="0" err="1"/>
               <a:t>멤버수</a:t>
             </a:r>
             <a:r>
-              <a:rPr lang="en-US" altLang="ko-KR" dirty="0"/>
+              <a:rPr lang="en-US" altLang="ko-KR" sz="1600" dirty="0"/>
               <a:t> : 2</a:t>
             </a:r>
             <a:r>
-              <a:rPr lang="ko-KR" altLang="ko-KR" dirty="0" smtClean="0"/>
+              <a:rPr lang="ko-KR" altLang="ko-KR" sz="1600" dirty="0" smtClean="0"/>
               <a:t>명</a:t>
             </a:r>
-            <a:endParaRPr lang="en-US" altLang="ko-KR" dirty="0" smtClean="0"/>
+            <a:endParaRPr lang="en-US" altLang="ko-KR" sz="1600" dirty="0" smtClean="0"/>
           </a:p>
           <a:p>
             <a:pPr latinLnBrk="1"/>
-            <a:endParaRPr lang="ko-KR" altLang="ko-KR" dirty="0"/>
+            <a:endParaRPr lang="ko-KR" altLang="ko-KR" sz="1600" dirty="0"/>
           </a:p>
           <a:p>
             <a:pPr latinLnBrk="1"/>
             <a:r>
-              <a:rPr lang="en-US" altLang="ko-KR" dirty="0"/>
+              <a:rPr lang="en-US" altLang="ko-KR" sz="1600" dirty="0"/>
               <a:t>  - </a:t>
             </a:r>
             <a:r>
-              <a:rPr lang="ko-KR" altLang="ko-KR" dirty="0"/>
+              <a:rPr lang="ko-KR" altLang="ko-KR" sz="1600" dirty="0"/>
               <a:t>역할</a:t>
             </a:r>
             <a:r>
-              <a:rPr lang="en-US" altLang="ko-KR" dirty="0"/>
+              <a:rPr lang="en-US" altLang="ko-KR" sz="1600" dirty="0"/>
               <a:t> : Web Part PL</a:t>
             </a:r>
-            <a:endParaRPr lang="ko-KR" altLang="ko-KR" dirty="0"/>
+            <a:endParaRPr lang="ko-KR" altLang="ko-KR" sz="1600" dirty="0"/>
           </a:p>
         </p:txBody>
       </p:sp>
     </p:spTree>
     <p:extLst>
       <p:ext uri="{BB962C8B-B14F-4D97-AF65-F5344CB8AC3E}">
-        <p14:creationId xmlns:p14="http://schemas.microsoft.com/office/powerpoint/2010/main" val="2407588231"/>
+        <p14:creationId xmlns="" xmlns:p14="http://schemas.microsoft.com/office/powerpoint/2010/main" val="2407588231"/>
       </p:ext>
     </p:extLst>
   </p:cSld>
@@ -5625,7 +5635,7 @@
     </p:spTree>
     <p:extLst>
       <p:ext uri="{BB962C8B-B14F-4D97-AF65-F5344CB8AC3E}">
-        <p14:creationId xmlns:p14="http://schemas.microsoft.com/office/powerpoint/2010/main" val="2337331936"/>
+        <p14:creationId xmlns="" xmlns:p14="http://schemas.microsoft.com/office/powerpoint/2010/main" val="2337331936"/>
       </p:ext>
     </p:extLst>
   </p:cSld>
@@ -6560,7 +6570,7 @@
     </p:spTree>
     <p:extLst>
       <p:ext uri="{BB962C8B-B14F-4D97-AF65-F5344CB8AC3E}">
-        <p14:creationId xmlns:p14="http://schemas.microsoft.com/office/powerpoint/2010/main" val="3964481304"/>
+        <p14:creationId xmlns="" xmlns:p14="http://schemas.microsoft.com/office/powerpoint/2010/main" val="3964481304"/>
       </p:ext>
     </p:extLst>
   </p:cSld>
@@ -6602,7 +6612,7 @@
           <a:blip r:embed="rId2" cstate="print">
             <a:extLst>
               <a:ext uri="{28A0092B-C50C-407E-A947-70E740481C1C}">
-                <a14:useLocalDpi xmlns:a14="http://schemas.microsoft.com/office/drawing/2010/main" val="0"/>
+                <a14:useLocalDpi xmlns="" xmlns:a14="http://schemas.microsoft.com/office/drawing/2010/main" val="0"/>
               </a:ext>
             </a:extLst>
           </a:blip>
@@ -6767,14 +6777,6 @@
                 </a:rPr>
                 <a:t>AVL </a:t>
               </a:r>
-              <a:endParaRPr lang="en-US" altLang="ko-KR" sz="4000" dirty="0" smtClean="0">
-                <a:solidFill>
-                  <a:schemeClr val="bg1"/>
-                </a:solidFill>
-                <a:latin typeface="Century Gothic" panose="020B0502020202020204" pitchFamily="34" charset="0"/>
-                <a:ea typeface="Ebrima" panose="02000000000000000000" pitchFamily="2" charset="0"/>
-                <a:cs typeface="Ebrima" panose="02000000000000000000" pitchFamily="2" charset="0"/>
-              </a:endParaRPr>
             </a:p>
             <a:p>
               <a:r>
@@ -6786,18 +6788,7 @@
                   <a:ea typeface="Ebrima" panose="02000000000000000000" pitchFamily="2" charset="0"/>
                   <a:cs typeface="Ebrima" panose="02000000000000000000" pitchFamily="2" charset="0"/>
                 </a:rPr>
-                <a:t>APP </a:t>
-              </a:r>
-              <a:r>
-                <a:rPr lang="en-US" altLang="ko-KR" sz="4000" dirty="0" smtClean="0">
-                  <a:solidFill>
-                    <a:schemeClr val="bg1"/>
-                  </a:solidFill>
-                  <a:latin typeface="Century Gothic" panose="020B0502020202020204" pitchFamily="34" charset="0"/>
-                  <a:ea typeface="Ebrima" panose="02000000000000000000" pitchFamily="2" charset="0"/>
-                  <a:cs typeface="Ebrima" panose="02000000000000000000" pitchFamily="2" charset="0"/>
-                </a:rPr>
-                <a:t>/ Server</a:t>
+                <a:t>APP / Server</a:t>
               </a:r>
               <a:endParaRPr kumimoji="1" lang="ja-JP" altLang="en-US" sz="4000" dirty="0">
                 <a:solidFill>
@@ -6813,7 +6804,7 @@
     </p:spTree>
     <p:extLst>
       <p:ext uri="{BB962C8B-B14F-4D97-AF65-F5344CB8AC3E}">
-        <p14:creationId xmlns:p14="http://schemas.microsoft.com/office/powerpoint/2010/main" val="1039639385"/>
+        <p14:creationId xmlns="" xmlns:p14="http://schemas.microsoft.com/office/powerpoint/2010/main" val="1039639385"/>
       </p:ext>
     </p:extLst>
   </p:cSld>
@@ -7382,7 +7373,7 @@
           <a:blip r:embed="rId2" cstate="print">
             <a:extLst>
               <a:ext uri="{28A0092B-C50C-407E-A947-70E740481C1C}">
-                <a14:useLocalDpi xmlns:a14="http://schemas.microsoft.com/office/drawing/2010/main" val="0"/>
+                <a14:useLocalDpi xmlns="" xmlns:a14="http://schemas.microsoft.com/office/drawing/2010/main" val="0"/>
               </a:ext>
             </a:extLst>
           </a:blip>
@@ -7407,7 +7398,7 @@
           </a:effectLst>
           <a:extLst>
             <a:ext uri="{909E8E84-426E-40DD-AFC4-6F175D3DCCD1}">
-              <a14:hiddenFill xmlns:a14="http://schemas.microsoft.com/office/drawing/2010/main">
+              <a14:hiddenFill xmlns="" xmlns:a14="http://schemas.microsoft.com/office/drawing/2010/main">
                 <a:solidFill>
                   <a:srgbClr val="FFFFFF"/>
                 </a:solidFill>
@@ -7998,21 +7989,8 @@
             </a:br>
             <a:r>
               <a:rPr lang="en-US" altLang="ko-KR" sz="1200" dirty="0" smtClean="0"/>
-              <a:t>(</a:t>
-            </a:r>
-            <a:r>
-              <a:rPr lang="en-US" altLang="ko-KR" sz="1200" dirty="0" smtClean="0"/>
-              <a:t>Android S</a:t>
-            </a:r>
-            <a:r>
-              <a:rPr lang="en-US" altLang="ko-KR" sz="1200" dirty="0" smtClean="0"/>
-              <a:t>DK</a:t>
-            </a:r>
-            <a:r>
-              <a:rPr lang="en-US" altLang="ko-KR" sz="1200" dirty="0" smtClean="0"/>
-              <a:t> 16 Jelly Bean)</a:t>
-            </a:r>
-            <a:endParaRPr lang="en-US" altLang="ko-KR" sz="1200" dirty="0" smtClean="0"/>
+              <a:t>(Android SDK 16 Jelly Bean)</a:t>
+            </a:r>
           </a:p>
         </p:txBody>
       </p:sp>
@@ -8152,11 +8130,7 @@
             <a:pPr algn="ctr"/>
             <a:r>
               <a:rPr lang="en-US" altLang="ko-KR" sz="1200" dirty="0" smtClean="0"/>
-              <a:t>Java </a:t>
-            </a:r>
-            <a:r>
-              <a:rPr lang="en-US" altLang="ko-KR" sz="1200" dirty="0" smtClean="0"/>
-              <a:t>Spring</a:t>
+              <a:t>Java Spring</a:t>
             </a:r>
           </a:p>
           <a:p>
@@ -8173,7 +8147,6 @@
               <a:rPr lang="en-US" altLang="ko-KR" sz="1200" dirty="0" smtClean="0"/>
               <a:t> 4.7)</a:t>
             </a:r>
-            <a:endParaRPr lang="en-US" altLang="ko-KR" sz="1200" dirty="0" smtClean="0"/>
           </a:p>
         </p:txBody>
       </p:sp>
@@ -8211,7 +8184,7 @@
     </p:spTree>
     <p:extLst>
       <p:ext uri="{BB962C8B-B14F-4D97-AF65-F5344CB8AC3E}">
-        <p14:creationId xmlns:p14="http://schemas.microsoft.com/office/powerpoint/2010/main" val="1884758462"/>
+        <p14:creationId xmlns="" xmlns:p14="http://schemas.microsoft.com/office/powerpoint/2010/main" val="1884758462"/>
       </p:ext>
     </p:extLst>
   </p:cSld>
@@ -8267,7 +8240,7 @@
             <a:blip r:embed="rId2" cstate="print">
               <a:extLst>
                 <a:ext uri="{28A0092B-C50C-407E-A947-70E740481C1C}">
-                  <a14:useLocalDpi xmlns:a14="http://schemas.microsoft.com/office/drawing/2010/main" val="0"/>
+                  <a14:useLocalDpi xmlns="" xmlns:a14="http://schemas.microsoft.com/office/drawing/2010/main" val="0"/>
                 </a:ext>
               </a:extLst>
             </a:blip>
@@ -8296,7 +8269,7 @@
             <a:blip r:embed="rId2" cstate="print">
               <a:extLst>
                 <a:ext uri="{28A0092B-C50C-407E-A947-70E740481C1C}">
-                  <a14:useLocalDpi xmlns:a14="http://schemas.microsoft.com/office/drawing/2010/main" val="0"/>
+                  <a14:useLocalDpi xmlns="" xmlns:a14="http://schemas.microsoft.com/office/drawing/2010/main" val="0"/>
                 </a:ext>
               </a:extLst>
             </a:blip>
@@ -8464,8 +8437,8 @@
         </p:nvSpPr>
         <p:spPr>
           <a:xfrm>
-            <a:off x="321945" y="1828800"/>
-            <a:ext cx="6650356" cy="4801314"/>
+            <a:off x="321944" y="1828800"/>
+            <a:ext cx="6878955" cy="3877985"/>
           </a:xfrm>
           <a:prstGeom prst="rect">
             <a:avLst/>
@@ -8480,33 +8453,64 @@
           <a:p>
             <a:pPr latinLnBrk="1"/>
             <a:r>
-              <a:rPr lang="ko-KR" altLang="en-US" b="1" dirty="0"/>
+              <a:rPr lang="ko-KR" altLang="en-US" b="1" dirty="0">
+                <a:solidFill>
+                  <a:schemeClr val="bg1"/>
+                </a:solidFill>
+              </a:rPr>
               <a:t>소방 </a:t>
             </a:r>
             <a:r>
-              <a:rPr lang="en-US" altLang="ko-KR" b="1" dirty="0"/>
+              <a:rPr lang="en-US" altLang="ko-KR" b="1" dirty="0">
+                <a:solidFill>
+                  <a:schemeClr val="bg1"/>
+                </a:solidFill>
+              </a:rPr>
               <a:t>AVL(Automatic Vehicle Location) </a:t>
             </a:r>
             <a:r>
-              <a:rPr lang="ko-KR" altLang="en-US" b="1" dirty="0" err="1"/>
+              <a:rPr lang="ko-KR" altLang="en-US" b="1" dirty="0" err="1">
+                <a:solidFill>
+                  <a:schemeClr val="bg1"/>
+                </a:solidFill>
+              </a:rPr>
               <a:t>네비게이션</a:t>
             </a:r>
             <a:r>
-              <a:rPr lang="ko-KR" altLang="en-US" b="1" dirty="0"/>
+              <a:rPr lang="ko-KR" altLang="en-US" b="1" dirty="0">
+                <a:solidFill>
+                  <a:schemeClr val="bg1"/>
+                </a:solidFill>
+              </a:rPr>
               <a:t> </a:t>
             </a:r>
             <a:r>
-              <a:rPr lang="en-US" altLang="ko-KR" b="1" dirty="0"/>
+              <a:rPr lang="en-US" altLang="ko-KR" b="1" dirty="0">
+                <a:solidFill>
+                  <a:schemeClr val="bg1"/>
+                </a:solidFill>
+              </a:rPr>
               <a:t>App/Server Part </a:t>
             </a:r>
             <a:r>
-              <a:rPr lang="en-US" altLang="ko-KR" b="1" dirty="0" smtClean="0"/>
+              <a:rPr lang="en-US" altLang="ko-KR" b="1" dirty="0" smtClean="0">
+                <a:solidFill>
+                  <a:schemeClr val="bg1"/>
+                </a:solidFill>
+              </a:rPr>
               <a:t>PL</a:t>
             </a:r>
             <a:br>
-              <a:rPr lang="en-US" altLang="ko-KR" b="1" dirty="0" smtClean="0"/>
+              <a:rPr lang="en-US" altLang="ko-KR" b="1" dirty="0" smtClean="0">
+                <a:solidFill>
+                  <a:schemeClr val="bg1"/>
+                </a:solidFill>
+              </a:rPr>
             </a:br>
             <a:endParaRPr lang="en-US" altLang="ko-KR" b="1" dirty="0">
+              <a:solidFill>
+                <a:schemeClr val="bg1"/>
+              </a:solidFill>
               <a:latin typeface="Century Gothic" panose="020B0502020202020204" pitchFamily="34" charset="0"/>
             </a:endParaRPr>
           </a:p>
@@ -8514,165 +8518,258 @@
             <a:pPr latinLnBrk="1"/>
             <a:r>
               <a:rPr lang="en-US" altLang="ko-KR" dirty="0">
-                <a:latin typeface="Century Gothic" panose="020B0502020202020204" pitchFamily="34" charset="0"/>
-              </a:rPr>
-              <a:t>  - </a:t>
-            </a:r>
-            <a:r>
-              <a:rPr lang="ko-KR" altLang="en-US" dirty="0">
+                <a:solidFill>
+                  <a:schemeClr val="bg1"/>
+                </a:solidFill>
+                <a:latin typeface="Century Gothic" panose="020B0502020202020204" pitchFamily="34" charset="0"/>
+              </a:rPr>
+              <a:t>  </a:t>
+            </a:r>
+            <a:r>
+              <a:rPr lang="en-US" altLang="ko-KR" sz="1600" dirty="0">
+                <a:solidFill>
+                  <a:schemeClr val="bg1"/>
+                </a:solidFill>
+                <a:latin typeface="Century Gothic" panose="020B0502020202020204" pitchFamily="34" charset="0"/>
+              </a:rPr>
+              <a:t>- </a:t>
+            </a:r>
+            <a:r>
+              <a:rPr lang="ko-KR" altLang="en-US" sz="1600" dirty="0">
+                <a:solidFill>
+                  <a:schemeClr val="bg1"/>
+                </a:solidFill>
                 <a:latin typeface="Century Gothic" panose="020B0502020202020204" pitchFamily="34" charset="0"/>
               </a:rPr>
               <a:t>담당 기간 </a:t>
             </a:r>
             <a:r>
-              <a:rPr lang="en-US" altLang="ko-KR" dirty="0">
+              <a:rPr lang="en-US" altLang="ko-KR" sz="1600" dirty="0">
+                <a:solidFill>
+                  <a:schemeClr val="bg1"/>
+                </a:solidFill>
                 <a:latin typeface="Century Gothic" panose="020B0502020202020204" pitchFamily="34" charset="0"/>
               </a:rPr>
               <a:t>: 2018.06. ~ 2019.04</a:t>
             </a:r>
             <a:r>
-              <a:rPr lang="en-US" altLang="ko-KR" dirty="0" smtClean="0">
+              <a:rPr lang="en-US" altLang="ko-KR" sz="1600" dirty="0" smtClean="0">
+                <a:solidFill>
+                  <a:schemeClr val="bg1"/>
+                </a:solidFill>
                 <a:latin typeface="Century Gothic" panose="020B0502020202020204" pitchFamily="34" charset="0"/>
               </a:rPr>
               <a:t>.</a:t>
             </a:r>
             <a:br>
-              <a:rPr lang="en-US" altLang="ko-KR" dirty="0" smtClean="0">
+              <a:rPr lang="en-US" altLang="ko-KR" sz="1600" dirty="0" smtClean="0">
+                <a:solidFill>
+                  <a:schemeClr val="bg1"/>
+                </a:solidFill>
                 <a:latin typeface="Century Gothic" panose="020B0502020202020204" pitchFamily="34" charset="0"/>
               </a:rPr>
             </a:br>
-            <a:endParaRPr lang="en-US" altLang="ko-KR" dirty="0">
+            <a:endParaRPr lang="en-US" altLang="ko-KR" sz="1600" dirty="0">
+              <a:solidFill>
+                <a:schemeClr val="bg1"/>
+              </a:solidFill>
               <a:latin typeface="Century Gothic" panose="020B0502020202020204" pitchFamily="34" charset="0"/>
             </a:endParaRPr>
           </a:p>
           <a:p>
             <a:pPr latinLnBrk="1"/>
             <a:r>
-              <a:rPr lang="en-US" altLang="ko-KR" dirty="0">
+              <a:rPr lang="en-US" altLang="ko-KR" sz="1600" dirty="0">
+                <a:solidFill>
+                  <a:schemeClr val="bg1"/>
+                </a:solidFill>
                 <a:latin typeface="Century Gothic" panose="020B0502020202020204" pitchFamily="34" charset="0"/>
               </a:rPr>
               <a:t>  - </a:t>
             </a:r>
             <a:r>
-              <a:rPr lang="ko-KR" altLang="en-US" dirty="0">
+              <a:rPr lang="ko-KR" altLang="en-US" sz="1600" dirty="0">
+                <a:solidFill>
+                  <a:schemeClr val="bg1"/>
+                </a:solidFill>
                 <a:latin typeface="Century Gothic" panose="020B0502020202020204" pitchFamily="34" charset="0"/>
               </a:rPr>
               <a:t>담당 업무 </a:t>
             </a:r>
             <a:r>
-              <a:rPr lang="en-US" altLang="ko-KR" dirty="0">
+              <a:rPr lang="en-US" altLang="ko-KR" sz="1600" dirty="0">
+                <a:solidFill>
+                  <a:schemeClr val="bg1"/>
+                </a:solidFill>
                 <a:latin typeface="Century Gothic" panose="020B0502020202020204" pitchFamily="34" charset="0"/>
               </a:rPr>
               <a:t>: </a:t>
             </a:r>
             <a:r>
-              <a:rPr lang="ko-KR" altLang="en-US" dirty="0">
+              <a:rPr lang="ko-KR" altLang="en-US" sz="1600" dirty="0">
+                <a:solidFill>
+                  <a:schemeClr val="bg1"/>
+                </a:solidFill>
                 <a:latin typeface="Century Gothic" panose="020B0502020202020204" pitchFamily="34" charset="0"/>
               </a:rPr>
               <a:t>프로그래밍</a:t>
             </a:r>
             <a:r>
-              <a:rPr lang="en-US" altLang="ko-KR" dirty="0">
+              <a:rPr lang="en-US" altLang="ko-KR" sz="1600" dirty="0">
+                <a:solidFill>
+                  <a:schemeClr val="bg1"/>
+                </a:solidFill>
                 <a:latin typeface="Century Gothic" panose="020B0502020202020204" pitchFamily="34" charset="0"/>
               </a:rPr>
               <a:t>, </a:t>
             </a:r>
             <a:r>
-              <a:rPr lang="ko-KR" altLang="en-US" dirty="0">
+              <a:rPr lang="ko-KR" altLang="en-US" sz="1600" dirty="0">
+                <a:solidFill>
+                  <a:schemeClr val="bg1"/>
+                </a:solidFill>
                 <a:latin typeface="Century Gothic" panose="020B0502020202020204" pitchFamily="34" charset="0"/>
               </a:rPr>
               <a:t>신규 서비스 도입</a:t>
             </a:r>
             <a:r>
-              <a:rPr lang="en-US" altLang="ko-KR" dirty="0">
+              <a:rPr lang="en-US" altLang="ko-KR" sz="1600" dirty="0">
+                <a:solidFill>
+                  <a:schemeClr val="bg1"/>
+                </a:solidFill>
                 <a:latin typeface="Century Gothic" panose="020B0502020202020204" pitchFamily="34" charset="0"/>
               </a:rPr>
               <a:t>, </a:t>
             </a:r>
             <a:r>
-              <a:rPr lang="en-US" altLang="ko-KR" dirty="0" smtClean="0">
+              <a:rPr lang="en-US" altLang="ko-KR" sz="1600" dirty="0" smtClean="0">
+                <a:solidFill>
+                  <a:schemeClr val="bg1"/>
+                </a:solidFill>
                 <a:latin typeface="Century Gothic" panose="020B0502020202020204" pitchFamily="34" charset="0"/>
               </a:rPr>
               <a:t/>
             </a:r>
             <a:br>
-              <a:rPr lang="en-US" altLang="ko-KR" dirty="0" smtClean="0">
+              <a:rPr lang="en-US" altLang="ko-KR" sz="1600" dirty="0" smtClean="0">
+                <a:solidFill>
+                  <a:schemeClr val="bg1"/>
+                </a:solidFill>
                 <a:latin typeface="Century Gothic" panose="020B0502020202020204" pitchFamily="34" charset="0"/>
               </a:rPr>
             </a:br>
             <a:r>
-              <a:rPr lang="en-US" altLang="ko-KR" dirty="0" smtClean="0">
+              <a:rPr lang="en-US" altLang="ko-KR" sz="1600" dirty="0" smtClean="0">
+                <a:solidFill>
+                  <a:schemeClr val="bg1"/>
+                </a:solidFill>
                 <a:latin typeface="Century Gothic" panose="020B0502020202020204" pitchFamily="34" charset="0"/>
               </a:rPr>
               <a:t>	</a:t>
             </a:r>
             <a:r>
-              <a:rPr lang="ko-KR" altLang="en-US" dirty="0" smtClean="0">
+              <a:rPr lang="ko-KR" altLang="en-US" sz="1600" dirty="0" smtClean="0">
+                <a:solidFill>
+                  <a:schemeClr val="bg1"/>
+                </a:solidFill>
                 <a:latin typeface="Century Gothic" panose="020B0502020202020204" pitchFamily="34" charset="0"/>
               </a:rPr>
               <a:t>서비스 </a:t>
             </a:r>
             <a:r>
-              <a:rPr lang="ko-KR" altLang="en-US" dirty="0">
+              <a:rPr lang="ko-KR" altLang="en-US" sz="1600" dirty="0">
+                <a:solidFill>
+                  <a:schemeClr val="bg1"/>
+                </a:solidFill>
                 <a:latin typeface="Century Gothic" panose="020B0502020202020204" pitchFamily="34" charset="0"/>
               </a:rPr>
               <a:t>안정화</a:t>
             </a:r>
             <a:r>
-              <a:rPr lang="en-US" altLang="ko-KR" dirty="0">
+              <a:rPr lang="en-US" altLang="ko-KR" sz="1600" dirty="0">
+                <a:solidFill>
+                  <a:schemeClr val="bg1"/>
+                </a:solidFill>
                 <a:latin typeface="Century Gothic" panose="020B0502020202020204" pitchFamily="34" charset="0"/>
               </a:rPr>
               <a:t>, </a:t>
             </a:r>
             <a:r>
-              <a:rPr lang="ko-KR" altLang="en-US" dirty="0">
+              <a:rPr lang="ko-KR" altLang="en-US" sz="1600" dirty="0">
+                <a:solidFill>
+                  <a:schemeClr val="bg1"/>
+                </a:solidFill>
                 <a:latin typeface="Century Gothic" panose="020B0502020202020204" pitchFamily="34" charset="0"/>
               </a:rPr>
               <a:t>클라이언트 </a:t>
             </a:r>
             <a:r>
-              <a:rPr lang="ko-KR" altLang="en-US" dirty="0" smtClean="0">
+              <a:rPr lang="ko-KR" altLang="en-US" sz="1600" dirty="0" smtClean="0">
+                <a:solidFill>
+                  <a:schemeClr val="bg1"/>
+                </a:solidFill>
                 <a:latin typeface="Century Gothic" panose="020B0502020202020204" pitchFamily="34" charset="0"/>
               </a:rPr>
               <a:t>대응</a:t>
             </a:r>
             <a:r>
-              <a:rPr lang="en-US" altLang="ko-KR" dirty="0" smtClean="0">
+              <a:rPr lang="en-US" altLang="ko-KR" sz="1600" dirty="0" smtClean="0">
+                <a:solidFill>
+                  <a:schemeClr val="bg1"/>
+                </a:solidFill>
                 <a:latin typeface="Century Gothic" panose="020B0502020202020204" pitchFamily="34" charset="0"/>
               </a:rPr>
               <a:t/>
             </a:r>
             <a:br>
-              <a:rPr lang="en-US" altLang="ko-KR" dirty="0" smtClean="0">
+              <a:rPr lang="en-US" altLang="ko-KR" sz="1600" dirty="0" smtClean="0">
+                <a:solidFill>
+                  <a:schemeClr val="bg1"/>
+                </a:solidFill>
                 <a:latin typeface="Century Gothic" panose="020B0502020202020204" pitchFamily="34" charset="0"/>
               </a:rPr>
             </a:br>
-            <a:endParaRPr lang="ko-KR" altLang="en-US" dirty="0">
+            <a:endParaRPr lang="ko-KR" altLang="en-US" sz="1600" dirty="0">
+              <a:solidFill>
+                <a:schemeClr val="bg1"/>
+              </a:solidFill>
               <a:latin typeface="Century Gothic" panose="020B0502020202020204" pitchFamily="34" charset="0"/>
             </a:endParaRPr>
           </a:p>
           <a:p>
             <a:pPr latinLnBrk="1"/>
             <a:r>
-              <a:rPr lang="ko-KR" altLang="en-US" dirty="0" smtClean="0">
+              <a:rPr lang="ko-KR" altLang="en-US" sz="1600" dirty="0" smtClean="0">
+                <a:solidFill>
+                  <a:schemeClr val="bg1"/>
+                </a:solidFill>
                 <a:latin typeface="Century Gothic" panose="020B0502020202020204" pitchFamily="34" charset="0"/>
               </a:rPr>
               <a:t>  </a:t>
             </a:r>
             <a:r>
-              <a:rPr lang="en-US" altLang="ko-KR" dirty="0" smtClean="0">
+              <a:rPr lang="en-US" altLang="ko-KR" sz="1600" dirty="0" smtClean="0">
+                <a:solidFill>
+                  <a:schemeClr val="bg1"/>
+                </a:solidFill>
                 <a:latin typeface="Century Gothic" panose="020B0502020202020204" pitchFamily="34" charset="0"/>
               </a:rPr>
               <a:t>- </a:t>
             </a:r>
             <a:r>
-              <a:rPr lang="ko-KR" altLang="en-US" dirty="0" smtClean="0">
+              <a:rPr lang="ko-KR" altLang="en-US" sz="1600" dirty="0" smtClean="0">
+                <a:solidFill>
+                  <a:schemeClr val="bg1"/>
+                </a:solidFill>
                 <a:latin typeface="Century Gothic" panose="020B0502020202020204" pitchFamily="34" charset="0"/>
               </a:rPr>
               <a:t>개발 환경 </a:t>
             </a:r>
             <a:r>
-              <a:rPr lang="en-US" altLang="ko-KR" dirty="0" smtClean="0">
+              <a:rPr lang="en-US" altLang="ko-KR" sz="1600" dirty="0" smtClean="0">
+                <a:solidFill>
+                  <a:schemeClr val="bg1"/>
+                </a:solidFill>
                 <a:latin typeface="Century Gothic" panose="020B0502020202020204" pitchFamily="34" charset="0"/>
               </a:rPr>
               <a:t>: </a:t>
@@ -8681,172 +8778,259 @@
           <a:p>
             <a:pPr latinLnBrk="1"/>
             <a:r>
-              <a:rPr lang="en-US" altLang="ko-KR" dirty="0" smtClean="0">
+              <a:rPr lang="en-US" altLang="ko-KR" sz="1600" dirty="0" smtClean="0">
+                <a:solidFill>
+                  <a:schemeClr val="bg1"/>
+                </a:solidFill>
                 <a:latin typeface="Century Gothic" panose="020B0502020202020204" pitchFamily="34" charset="0"/>
               </a:rPr>
               <a:t>	- </a:t>
             </a:r>
             <a:r>
-              <a:rPr lang="en-US" altLang="ko-KR" dirty="0">
+              <a:rPr lang="en-US" altLang="ko-KR" sz="1600" dirty="0">
+                <a:solidFill>
+                  <a:schemeClr val="bg1"/>
+                </a:solidFill>
                 <a:latin typeface="Century Gothic" panose="020B0502020202020204" pitchFamily="34" charset="0"/>
               </a:rPr>
               <a:t>Android (Android SDK 16) </a:t>
             </a:r>
             <a:r>
-              <a:rPr lang="en-US" altLang="ko-KR" dirty="0" smtClean="0">
+              <a:rPr lang="en-US" altLang="ko-KR" sz="1600" dirty="0" smtClean="0">
+                <a:solidFill>
+                  <a:schemeClr val="bg1"/>
+                </a:solidFill>
                 <a:latin typeface="Century Gothic" panose="020B0502020202020204" pitchFamily="34" charset="0"/>
               </a:rPr>
               <a:t> - MDM</a:t>
             </a:r>
             <a:r>
-              <a:rPr lang="ko-KR" altLang="en-US" dirty="0" smtClean="0">
+              <a:rPr lang="ko-KR" altLang="en-US" sz="1600" dirty="0" smtClean="0">
+                <a:solidFill>
+                  <a:schemeClr val="bg1"/>
+                </a:solidFill>
                 <a:latin typeface="Century Gothic" panose="020B0502020202020204" pitchFamily="34" charset="0"/>
               </a:rPr>
               <a:t>을 통한 자체 배포</a:t>
             </a:r>
-            <a:endParaRPr lang="en-US" altLang="ko-KR" dirty="0" smtClean="0">
+            <a:endParaRPr lang="en-US" altLang="ko-KR" sz="1600" dirty="0" smtClean="0">
+              <a:solidFill>
+                <a:schemeClr val="bg1"/>
+              </a:solidFill>
               <a:latin typeface="Century Gothic" panose="020B0502020202020204" pitchFamily="34" charset="0"/>
             </a:endParaRPr>
           </a:p>
           <a:p>
             <a:pPr latinLnBrk="1"/>
             <a:r>
-              <a:rPr lang="en-US" altLang="ko-KR" dirty="0" smtClean="0">
+              <a:rPr lang="en-US" altLang="ko-KR" sz="1600" dirty="0" smtClean="0">
+                <a:solidFill>
+                  <a:schemeClr val="bg1"/>
+                </a:solidFill>
                 <a:latin typeface="Century Gothic" panose="020B0502020202020204" pitchFamily="34" charset="0"/>
               </a:rPr>
               <a:t>	- Java Spring </a:t>
             </a:r>
             <a:r>
-              <a:rPr lang="en-US" altLang="ko-KR" dirty="0">
+              <a:rPr lang="en-US" altLang="ko-KR" sz="1600" dirty="0">
+                <a:solidFill>
+                  <a:schemeClr val="bg1"/>
+                </a:solidFill>
                 <a:latin typeface="Century Gothic" panose="020B0502020202020204" pitchFamily="34" charset="0"/>
               </a:rPr>
               <a:t>(JDK 1.7 / </a:t>
             </a:r>
             <a:r>
-              <a:rPr lang="en-US" altLang="ko-KR" dirty="0" err="1">
+              <a:rPr lang="en-US" altLang="ko-KR" sz="1600" dirty="0" err="1">
+                <a:solidFill>
+                  <a:schemeClr val="bg1"/>
+                </a:solidFill>
                 <a:latin typeface="Century Gothic" panose="020B0502020202020204" pitchFamily="34" charset="0"/>
               </a:rPr>
               <a:t>Gradle</a:t>
             </a:r>
             <a:r>
-              <a:rPr lang="en-US" altLang="ko-KR" dirty="0">
+              <a:rPr lang="en-US" altLang="ko-KR" sz="1600" dirty="0">
+                <a:solidFill>
+                  <a:schemeClr val="bg1"/>
+                </a:solidFill>
                 <a:latin typeface="Century Gothic" panose="020B0502020202020204" pitchFamily="34" charset="0"/>
               </a:rPr>
               <a:t> 4.7</a:t>
             </a:r>
             <a:r>
-              <a:rPr lang="en-US" altLang="ko-KR" dirty="0" smtClean="0">
+              <a:rPr lang="en-US" altLang="ko-KR" sz="1600" dirty="0" smtClean="0">
+                <a:solidFill>
+                  <a:schemeClr val="bg1"/>
+                </a:solidFill>
                 <a:latin typeface="Century Gothic" panose="020B0502020202020204" pitchFamily="34" charset="0"/>
               </a:rPr>
               <a:t>)</a:t>
             </a:r>
-            <a:endParaRPr lang="en-US" altLang="ko-KR" dirty="0">
+            <a:endParaRPr lang="en-US" altLang="ko-KR" sz="1600" dirty="0">
+              <a:solidFill>
+                <a:schemeClr val="bg1"/>
+              </a:solidFill>
               <a:latin typeface="Century Gothic" panose="020B0502020202020204" pitchFamily="34" charset="0"/>
             </a:endParaRPr>
           </a:p>
           <a:p>
             <a:pPr latinLnBrk="1"/>
             <a:r>
-              <a:rPr lang="en-US" altLang="ko-KR" dirty="0">
+              <a:rPr lang="en-US" altLang="ko-KR" sz="1600" dirty="0">
+                <a:solidFill>
+                  <a:schemeClr val="bg1"/>
+                </a:solidFill>
                 <a:latin typeface="Century Gothic" panose="020B0502020202020204" pitchFamily="34" charset="0"/>
               </a:rPr>
               <a:t>	- Oracle(11g)</a:t>
             </a:r>
             <a:r>
-              <a:rPr lang="en-US" altLang="ko-KR" dirty="0" smtClean="0">
+              <a:rPr lang="en-US" altLang="ko-KR" sz="1600" dirty="0" smtClean="0">
+                <a:solidFill>
+                  <a:schemeClr val="bg1"/>
+                </a:solidFill>
                 <a:latin typeface="Century Gothic" panose="020B0502020202020204" pitchFamily="34" charset="0"/>
               </a:rPr>
               <a:t/>
             </a:r>
             <a:br>
-              <a:rPr lang="en-US" altLang="ko-KR" dirty="0" smtClean="0">
+              <a:rPr lang="en-US" altLang="ko-KR" sz="1600" dirty="0" smtClean="0">
+                <a:solidFill>
+                  <a:schemeClr val="bg1"/>
+                </a:solidFill>
                 <a:latin typeface="Century Gothic" panose="020B0502020202020204" pitchFamily="34" charset="0"/>
               </a:rPr>
             </a:br>
-            <a:endParaRPr lang="en-US" altLang="ko-KR" dirty="0" smtClean="0">
+            <a:endParaRPr lang="en-US" altLang="ko-KR" sz="1600" dirty="0" smtClean="0">
+              <a:solidFill>
+                <a:schemeClr val="bg1"/>
+              </a:solidFill>
               <a:latin typeface="Century Gothic" panose="020B0502020202020204" pitchFamily="34" charset="0"/>
             </a:endParaRPr>
           </a:p>
           <a:p>
             <a:pPr latinLnBrk="1"/>
             <a:r>
-              <a:rPr lang="en-US" altLang="ko-KR" dirty="0" smtClean="0">
+              <a:rPr lang="en-US" altLang="ko-KR" sz="1600" dirty="0" smtClean="0">
+                <a:solidFill>
+                  <a:schemeClr val="bg1"/>
+                </a:solidFill>
                 <a:latin typeface="Century Gothic" panose="020B0502020202020204" pitchFamily="34" charset="0"/>
               </a:rPr>
               <a:t>  </a:t>
             </a:r>
             <a:r>
-              <a:rPr lang="en-US" altLang="ko-KR" dirty="0">
+              <a:rPr lang="en-US" altLang="ko-KR" sz="1600" dirty="0">
+                <a:solidFill>
+                  <a:schemeClr val="bg1"/>
+                </a:solidFill>
                 <a:latin typeface="Century Gothic" panose="020B0502020202020204" pitchFamily="34" charset="0"/>
               </a:rPr>
               <a:t>- </a:t>
             </a:r>
             <a:r>
-              <a:rPr lang="ko-KR" altLang="en-US" dirty="0" err="1">
+              <a:rPr lang="ko-KR" altLang="en-US" sz="1600" dirty="0" err="1">
+                <a:solidFill>
+                  <a:schemeClr val="bg1"/>
+                </a:solidFill>
                 <a:latin typeface="Century Gothic" panose="020B0502020202020204" pitchFamily="34" charset="0"/>
               </a:rPr>
               <a:t>멤버수</a:t>
             </a:r>
             <a:r>
-              <a:rPr lang="ko-KR" altLang="en-US" dirty="0">
+              <a:rPr lang="ko-KR" altLang="en-US" sz="1600" dirty="0">
+                <a:solidFill>
+                  <a:schemeClr val="bg1"/>
+                </a:solidFill>
                 <a:latin typeface="Century Gothic" panose="020B0502020202020204" pitchFamily="34" charset="0"/>
               </a:rPr>
               <a:t> </a:t>
             </a:r>
             <a:r>
-              <a:rPr lang="en-US" altLang="ko-KR" dirty="0">
+              <a:rPr lang="en-US" altLang="ko-KR" sz="1600" dirty="0">
+                <a:solidFill>
+                  <a:schemeClr val="bg1"/>
+                </a:solidFill>
                 <a:latin typeface="Century Gothic" panose="020B0502020202020204" pitchFamily="34" charset="0"/>
               </a:rPr>
               <a:t>: 2</a:t>
             </a:r>
             <a:r>
-              <a:rPr lang="ko-KR" altLang="en-US" dirty="0" smtClean="0">
+              <a:rPr lang="ko-KR" altLang="en-US" sz="1600" dirty="0" smtClean="0">
+                <a:solidFill>
+                  <a:schemeClr val="bg1"/>
+                </a:solidFill>
                 <a:latin typeface="Century Gothic" panose="020B0502020202020204" pitchFamily="34" charset="0"/>
               </a:rPr>
               <a:t>명</a:t>
             </a:r>
             <a:r>
-              <a:rPr lang="en-US" altLang="ko-KR" dirty="0" smtClean="0">
+              <a:rPr lang="en-US" altLang="ko-KR" sz="1600" dirty="0" smtClean="0">
+                <a:solidFill>
+                  <a:schemeClr val="bg1"/>
+                </a:solidFill>
                 <a:latin typeface="Century Gothic" panose="020B0502020202020204" pitchFamily="34" charset="0"/>
               </a:rPr>
               <a:t/>
             </a:r>
             <a:br>
-              <a:rPr lang="en-US" altLang="ko-KR" dirty="0" smtClean="0">
+              <a:rPr lang="en-US" altLang="ko-KR" sz="1600" dirty="0" smtClean="0">
+                <a:solidFill>
+                  <a:schemeClr val="bg1"/>
+                </a:solidFill>
                 <a:latin typeface="Century Gothic" panose="020B0502020202020204" pitchFamily="34" charset="0"/>
               </a:rPr>
             </a:br>
-            <a:endParaRPr lang="ko-KR" altLang="en-US" dirty="0">
+            <a:endParaRPr lang="ko-KR" altLang="en-US" sz="1600" dirty="0">
+              <a:solidFill>
+                <a:schemeClr val="bg1"/>
+              </a:solidFill>
               <a:latin typeface="Century Gothic" panose="020B0502020202020204" pitchFamily="34" charset="0"/>
             </a:endParaRPr>
           </a:p>
           <a:p>
             <a:pPr latinLnBrk="1"/>
             <a:r>
-              <a:rPr lang="ko-KR" altLang="en-US" dirty="0">
+              <a:rPr lang="ko-KR" altLang="en-US" sz="1600" dirty="0">
+                <a:solidFill>
+                  <a:schemeClr val="bg1"/>
+                </a:solidFill>
                 <a:latin typeface="Century Gothic" panose="020B0502020202020204" pitchFamily="34" charset="0"/>
               </a:rPr>
               <a:t>  </a:t>
             </a:r>
             <a:r>
-              <a:rPr lang="en-US" altLang="ko-KR" dirty="0">
+              <a:rPr lang="en-US" altLang="ko-KR" sz="1600" dirty="0">
+                <a:solidFill>
+                  <a:schemeClr val="bg1"/>
+                </a:solidFill>
                 <a:latin typeface="Century Gothic" panose="020B0502020202020204" pitchFamily="34" charset="0"/>
               </a:rPr>
               <a:t>- </a:t>
             </a:r>
             <a:r>
-              <a:rPr lang="ko-KR" altLang="en-US" dirty="0">
+              <a:rPr lang="ko-KR" altLang="en-US" sz="1600" dirty="0">
+                <a:solidFill>
+                  <a:schemeClr val="bg1"/>
+                </a:solidFill>
                 <a:latin typeface="Century Gothic" panose="020B0502020202020204" pitchFamily="34" charset="0"/>
               </a:rPr>
               <a:t>역할 </a:t>
             </a:r>
             <a:r>
-              <a:rPr lang="en-US" altLang="ko-KR" dirty="0">
+              <a:rPr lang="en-US" altLang="ko-KR" sz="1600" dirty="0">
+                <a:solidFill>
+                  <a:schemeClr val="bg1"/>
+                </a:solidFill>
                 <a:latin typeface="Century Gothic" panose="020B0502020202020204" pitchFamily="34" charset="0"/>
               </a:rPr>
               <a:t>: PL</a:t>
             </a:r>
-            <a:endParaRPr lang="ko-KR" altLang="ko-KR" dirty="0">
+            <a:endParaRPr lang="ko-KR" altLang="ko-KR" sz="1600" dirty="0">
+              <a:solidFill>
+                <a:schemeClr val="bg1"/>
+              </a:solidFill>
               <a:latin typeface="Century Gothic" panose="020B0502020202020204" pitchFamily="34" charset="0"/>
             </a:endParaRPr>
           </a:p>
@@ -8855,7 +9039,7 @@
     </p:spTree>
     <p:extLst>
       <p:ext uri="{BB962C8B-B14F-4D97-AF65-F5344CB8AC3E}">
-        <p14:creationId xmlns:p14="http://schemas.microsoft.com/office/powerpoint/2010/main" val="912171356"/>
+        <p14:creationId xmlns="" xmlns:p14="http://schemas.microsoft.com/office/powerpoint/2010/main" val="912171356"/>
       </p:ext>
     </p:extLst>
   </p:cSld>
@@ -8897,7 +9081,7 @@
           <a:blip r:embed="rId2" cstate="print">
             <a:extLst>
               <a:ext uri="{28A0092B-C50C-407E-A947-70E740481C1C}">
-                <a14:useLocalDpi xmlns:a14="http://schemas.microsoft.com/office/drawing/2010/main" val="0"/>
+                <a14:useLocalDpi xmlns="" xmlns:a14="http://schemas.microsoft.com/office/drawing/2010/main" val="0"/>
               </a:ext>
             </a:extLst>
           </a:blip>
@@ -9093,7 +9277,7 @@
     </p:spTree>
     <p:extLst>
       <p:ext uri="{BB962C8B-B14F-4D97-AF65-F5344CB8AC3E}">
-        <p14:creationId xmlns:p14="http://schemas.microsoft.com/office/powerpoint/2010/main" val="1757066377"/>
+        <p14:creationId xmlns="" xmlns:p14="http://schemas.microsoft.com/office/powerpoint/2010/main" val="1757066377"/>
       </p:ext>
     </p:extLst>
   </p:cSld>
@@ -9658,7 +9842,7 @@
           <a:blip r:embed="rId2" cstate="print">
             <a:extLst>
               <a:ext uri="{28A0092B-C50C-407E-A947-70E740481C1C}">
-                <a14:useLocalDpi xmlns:a14="http://schemas.microsoft.com/office/drawing/2010/main" val="0"/>
+                <a14:useLocalDpi xmlns="" xmlns:a14="http://schemas.microsoft.com/office/drawing/2010/main" val="0"/>
               </a:ext>
             </a:extLst>
           </a:blip>
@@ -9683,7 +9867,7 @@
           </a:effectLst>
           <a:extLst>
             <a:ext uri="{909E8E84-426E-40DD-AFC4-6F175D3DCCD1}">
-              <a14:hiddenFill xmlns:a14="http://schemas.microsoft.com/office/drawing/2010/main">
+              <a14:hiddenFill xmlns="" xmlns:a14="http://schemas.microsoft.com/office/drawing/2010/main">
                 <a:solidFill>
                   <a:srgbClr val="FFFFFF"/>
                 </a:solidFill>
@@ -10388,11 +10572,7 @@
             </a:br>
             <a:r>
               <a:rPr lang="en-US" altLang="ko-KR" sz="1200" dirty="0" smtClean="0"/>
-              <a:t>(Asp.net</a:t>
-            </a:r>
-            <a:r>
-              <a:rPr lang="en-US" altLang="ko-KR" sz="1200" dirty="0" smtClean="0"/>
-              <a:t>)</a:t>
+              <a:t>(Asp.net)</a:t>
             </a:r>
             <a:br>
               <a:rPr lang="en-US" altLang="ko-KR" sz="1200" dirty="0" smtClean="0"/>
@@ -10409,7 +10589,6 @@
               <a:rPr lang="en-US" altLang="ko-KR" sz="1200" dirty="0" smtClean="0"/>
               <a:t> Framework 4)</a:t>
             </a:r>
-            <a:endParaRPr lang="en-US" altLang="ko-KR" sz="1200" dirty="0" smtClean="0"/>
           </a:p>
         </p:txBody>
       </p:sp>
@@ -10493,7 +10672,6 @@
               <a:rPr lang="en-US" altLang="ko-KR" sz="1200" dirty="0" smtClean="0"/>
               <a:t>4)</a:t>
             </a:r>
-            <a:endParaRPr lang="en-US" altLang="ko-KR" sz="1200" dirty="0" smtClean="0"/>
           </a:p>
         </p:txBody>
       </p:sp>
@@ -10829,11 +11007,7 @@
             </a:br>
             <a:r>
               <a:rPr lang="en-US" altLang="ko-KR" sz="1000" dirty="0" smtClean="0"/>
-              <a:t>(C</a:t>
-            </a:r>
-            <a:r>
-              <a:rPr lang="en-US" altLang="ko-KR" sz="1000" dirty="0" smtClean="0"/>
-              <a:t>#)</a:t>
+              <a:t>(C#)</a:t>
             </a:r>
           </a:p>
           <a:p>
@@ -10892,7 +11066,7 @@
     </p:spTree>
     <p:extLst>
       <p:ext uri="{BB962C8B-B14F-4D97-AF65-F5344CB8AC3E}">
-        <p14:creationId xmlns:p14="http://schemas.microsoft.com/office/powerpoint/2010/main" val="4031036024"/>
+        <p14:creationId xmlns="" xmlns:p14="http://schemas.microsoft.com/office/powerpoint/2010/main" val="4031036024"/>
       </p:ext>
     </p:extLst>
   </p:cSld>
@@ -10959,7 +11133,7 @@
           <a:blip r:embed="rId2" cstate="print">
             <a:extLst>
               <a:ext uri="{28A0092B-C50C-407E-A947-70E740481C1C}">
-                <a14:useLocalDpi xmlns:a14="http://schemas.microsoft.com/office/drawing/2010/main" val="0"/>
+                <a14:useLocalDpi xmlns="" xmlns:a14="http://schemas.microsoft.com/office/drawing/2010/main" val="0"/>
               </a:ext>
             </a:extLst>
           </a:blip>
@@ -11083,7 +11257,7 @@
         <p:spPr>
           <a:xfrm>
             <a:off x="619124" y="2023110"/>
-            <a:ext cx="7096125" cy="4524315"/>
+            <a:ext cx="7096125" cy="4093428"/>
           </a:xfrm>
           <a:prstGeom prst="rect">
             <a:avLst/>
@@ -11117,10 +11291,6 @@
               <a:rPr lang="en-US" altLang="ko-KR" b="1" dirty="0" smtClean="0"/>
               <a:t>PL</a:t>
             </a:r>
-            <a:r>
-              <a:rPr lang="en-US" altLang="ko-KR" b="1" dirty="0" smtClean="0"/>
-              <a:t/>
-            </a:r>
             <a:br>
               <a:rPr lang="en-US" altLang="ko-KR" b="1" dirty="0" smtClean="0"/>
             </a:br>
@@ -11129,78 +11299,78 @@
           <a:p>
             <a:pPr latinLnBrk="1"/>
             <a:r>
-              <a:rPr lang="en-US" altLang="ko-KR" dirty="0">
+              <a:rPr lang="en-US" altLang="ko-KR" sz="1600" dirty="0">
                 <a:latin typeface="Century Gothic" panose="020B0502020202020204" pitchFamily="34" charset="0"/>
               </a:rPr>
               <a:t>  - </a:t>
             </a:r>
             <a:r>
-              <a:rPr lang="ko-KR" altLang="ko-KR" dirty="0">
+              <a:rPr lang="ko-KR" altLang="ko-KR" sz="1600" dirty="0">
                 <a:latin typeface="Century Gothic" panose="020B0502020202020204" pitchFamily="34" charset="0"/>
               </a:rPr>
               <a:t>담당 기간</a:t>
             </a:r>
             <a:r>
-              <a:rPr lang="en-US" altLang="ko-KR" dirty="0">
+              <a:rPr lang="en-US" altLang="ko-KR" sz="1600" dirty="0">
                 <a:latin typeface="Century Gothic" panose="020B0502020202020204" pitchFamily="34" charset="0"/>
               </a:rPr>
               <a:t> : 2016.12. ~ 2018.05</a:t>
             </a:r>
             <a:r>
-              <a:rPr lang="en-US" altLang="ko-KR" dirty="0" smtClean="0">
+              <a:rPr lang="en-US" altLang="ko-KR" sz="1600" dirty="0" smtClean="0">
                 <a:latin typeface="Century Gothic" panose="020B0502020202020204" pitchFamily="34" charset="0"/>
               </a:rPr>
               <a:t>.</a:t>
             </a:r>
             <a:br>
-              <a:rPr lang="en-US" altLang="ko-KR" dirty="0" smtClean="0">
+              <a:rPr lang="en-US" altLang="ko-KR" sz="1600" dirty="0" smtClean="0">
                 <a:latin typeface="Century Gothic" panose="020B0502020202020204" pitchFamily="34" charset="0"/>
               </a:rPr>
             </a:br>
-            <a:endParaRPr lang="ko-KR" altLang="ko-KR" dirty="0">
+            <a:endParaRPr lang="ko-KR" altLang="ko-KR" sz="1600" dirty="0">
               <a:latin typeface="Century Gothic" panose="020B0502020202020204" pitchFamily="34" charset="0"/>
             </a:endParaRPr>
           </a:p>
           <a:p>
             <a:pPr latinLnBrk="1"/>
             <a:r>
-              <a:rPr lang="en-US" altLang="ko-KR" dirty="0">
+              <a:rPr lang="en-US" altLang="ko-KR" sz="1600" dirty="0">
                 <a:latin typeface="Century Gothic" panose="020B0502020202020204" pitchFamily="34" charset="0"/>
               </a:rPr>
               <a:t>  - </a:t>
             </a:r>
             <a:r>
-              <a:rPr lang="ko-KR" altLang="ko-KR" dirty="0">
+              <a:rPr lang="ko-KR" altLang="ko-KR" sz="1600" dirty="0">
                 <a:latin typeface="Century Gothic" panose="020B0502020202020204" pitchFamily="34" charset="0"/>
               </a:rPr>
               <a:t>담당 업무</a:t>
             </a:r>
             <a:r>
-              <a:rPr lang="en-US" altLang="ko-KR" dirty="0">
+              <a:rPr lang="en-US" altLang="ko-KR" sz="1600" dirty="0">
                 <a:latin typeface="Century Gothic" panose="020B0502020202020204" pitchFamily="34" charset="0"/>
               </a:rPr>
               <a:t> : </a:t>
             </a:r>
             <a:r>
-              <a:rPr lang="ko-KR" altLang="ko-KR" dirty="0">
+              <a:rPr lang="ko-KR" altLang="ko-KR" sz="1600" dirty="0">
                 <a:latin typeface="Century Gothic" panose="020B0502020202020204" pitchFamily="34" charset="0"/>
               </a:rPr>
               <a:t>프로그래밍</a:t>
             </a:r>
             <a:r>
-              <a:rPr lang="en-US" altLang="ko-KR" dirty="0">
+              <a:rPr lang="en-US" altLang="ko-KR" sz="1600" dirty="0">
                 <a:latin typeface="Century Gothic" panose="020B0502020202020204" pitchFamily="34" charset="0"/>
               </a:rPr>
               <a:t>, </a:t>
             </a:r>
             <a:r>
-              <a:rPr lang="ko-KR" altLang="ko-KR" dirty="0">
+              <a:rPr lang="ko-KR" altLang="ko-KR" sz="1600" dirty="0">
                 <a:latin typeface="Century Gothic" panose="020B0502020202020204" pitchFamily="34" charset="0"/>
               </a:rPr>
               <a:t>신규 서비스 도입</a:t>
             </a:r>
             <a:r>
-              <a:rPr lang="en-US" altLang="ko-KR" dirty="0" smtClean="0">
+              <a:rPr lang="en-US" altLang="ko-KR" sz="1600" dirty="0" smtClean="0">
                 <a:latin typeface="Century Gothic" panose="020B0502020202020204" pitchFamily="34" charset="0"/>
               </a:rPr>
               <a:t>,</a:t>
@@ -11209,260 +11379,254 @@
           <a:p>
             <a:pPr latinLnBrk="1"/>
             <a:r>
-              <a:rPr lang="en-US" altLang="ko-KR" dirty="0" smtClean="0">
+              <a:rPr lang="en-US" altLang="ko-KR" sz="1600" dirty="0" smtClean="0">
                 <a:latin typeface="Century Gothic" panose="020B0502020202020204" pitchFamily="34" charset="0"/>
               </a:rPr>
               <a:t>	</a:t>
             </a:r>
             <a:r>
-              <a:rPr lang="ko-KR" altLang="ko-KR" dirty="0" smtClean="0">
+              <a:rPr lang="ko-KR" altLang="ko-KR" sz="1600" dirty="0" smtClean="0">
                 <a:latin typeface="Century Gothic" panose="020B0502020202020204" pitchFamily="34" charset="0"/>
               </a:rPr>
               <a:t>프로젝트 </a:t>
             </a:r>
             <a:r>
-              <a:rPr lang="ko-KR" altLang="ko-KR" dirty="0">
+              <a:rPr lang="ko-KR" altLang="ko-KR" sz="1600" dirty="0">
                 <a:latin typeface="Century Gothic" panose="020B0502020202020204" pitchFamily="34" charset="0"/>
               </a:rPr>
               <a:t>전체 관리</a:t>
             </a:r>
             <a:r>
-              <a:rPr lang="en-US" altLang="ko-KR" dirty="0">
+              <a:rPr lang="en-US" altLang="ko-KR" sz="1600" dirty="0">
                 <a:latin typeface="Century Gothic" panose="020B0502020202020204" pitchFamily="34" charset="0"/>
               </a:rPr>
               <a:t>, </a:t>
             </a:r>
             <a:r>
-              <a:rPr lang="ko-KR" altLang="ko-KR" dirty="0">
+              <a:rPr lang="ko-KR" altLang="ko-KR" sz="1600" dirty="0">
                 <a:latin typeface="Century Gothic" panose="020B0502020202020204" pitchFamily="34" charset="0"/>
               </a:rPr>
               <a:t>서비스 안정화</a:t>
             </a:r>
             <a:r>
-              <a:rPr lang="en-US" altLang="ko-KR" dirty="0">
+              <a:rPr lang="en-US" altLang="ko-KR" sz="1600" dirty="0">
                 <a:latin typeface="Century Gothic" panose="020B0502020202020204" pitchFamily="34" charset="0"/>
               </a:rPr>
               <a:t>, </a:t>
             </a:r>
             <a:r>
-              <a:rPr lang="ko-KR" altLang="ko-KR" dirty="0">
+              <a:rPr lang="ko-KR" altLang="ko-KR" sz="1600" dirty="0">
                 <a:latin typeface="Century Gothic" panose="020B0502020202020204" pitchFamily="34" charset="0"/>
               </a:rPr>
               <a:t>클라이언트 </a:t>
             </a:r>
             <a:r>
-              <a:rPr lang="ko-KR" altLang="ko-KR" dirty="0" smtClean="0">
+              <a:rPr lang="ko-KR" altLang="ko-KR" sz="1600" dirty="0" smtClean="0">
                 <a:latin typeface="Century Gothic" panose="020B0502020202020204" pitchFamily="34" charset="0"/>
               </a:rPr>
               <a:t>대응</a:t>
             </a:r>
             <a:r>
-              <a:rPr lang="en-US" altLang="ko-KR" dirty="0" smtClean="0">
+              <a:rPr lang="en-US" altLang="ko-KR" sz="1600" dirty="0" smtClean="0">
                 <a:latin typeface="Century Gothic" panose="020B0502020202020204" pitchFamily="34" charset="0"/>
               </a:rPr>
               <a:t/>
             </a:r>
             <a:br>
-              <a:rPr lang="en-US" altLang="ko-KR" dirty="0" smtClean="0">
+              <a:rPr lang="en-US" altLang="ko-KR" sz="1600" dirty="0" smtClean="0">
                 <a:latin typeface="Century Gothic" panose="020B0502020202020204" pitchFamily="34" charset="0"/>
               </a:rPr>
             </a:br>
             <a:r>
-              <a:rPr lang="en-US" altLang="ko-KR" dirty="0" smtClean="0">
+              <a:rPr lang="en-US" altLang="ko-KR" sz="1600" dirty="0" smtClean="0">
                 <a:latin typeface="Century Gothic" panose="020B0502020202020204" pitchFamily="34" charset="0"/>
               </a:rPr>
               <a:t> </a:t>
             </a:r>
-            <a:endParaRPr lang="ko-KR" altLang="ko-KR" dirty="0">
+            <a:endParaRPr lang="ko-KR" altLang="ko-KR" sz="1600" dirty="0">
               <a:latin typeface="Century Gothic" panose="020B0502020202020204" pitchFamily="34" charset="0"/>
             </a:endParaRPr>
           </a:p>
           <a:p>
             <a:pPr latinLnBrk="1"/>
             <a:r>
-              <a:rPr lang="en-US" altLang="ko-KR" dirty="0">
+              <a:rPr lang="en-US" altLang="ko-KR" sz="1600" dirty="0">
                 <a:latin typeface="Century Gothic" panose="020B0502020202020204" pitchFamily="34" charset="0"/>
               </a:rPr>
               <a:t>  - </a:t>
             </a:r>
             <a:r>
-              <a:rPr lang="ko-KR" altLang="ko-KR" dirty="0">
+              <a:rPr lang="ko-KR" altLang="ko-KR" sz="1600" dirty="0">
                 <a:latin typeface="Century Gothic" panose="020B0502020202020204" pitchFamily="34" charset="0"/>
               </a:rPr>
               <a:t>개발 환경</a:t>
             </a:r>
             <a:r>
-              <a:rPr lang="en-US" altLang="ko-KR" dirty="0">
+              <a:rPr lang="en-US" altLang="ko-KR" sz="1600" dirty="0">
                 <a:latin typeface="Century Gothic" panose="020B0502020202020204" pitchFamily="34" charset="0"/>
               </a:rPr>
               <a:t> </a:t>
             </a:r>
             <a:r>
-              <a:rPr lang="en-US" altLang="ko-KR" dirty="0" smtClean="0">
+              <a:rPr lang="en-US" altLang="ko-KR" sz="1600" dirty="0" smtClean="0">
                 <a:latin typeface="Century Gothic" panose="020B0502020202020204" pitchFamily="34" charset="0"/>
               </a:rPr>
               <a:t>:</a:t>
             </a:r>
             <a:br>
-              <a:rPr lang="en-US" altLang="ko-KR" dirty="0" smtClean="0">
+              <a:rPr lang="en-US" altLang="ko-KR" sz="1600" dirty="0" smtClean="0">
                 <a:latin typeface="Century Gothic" panose="020B0502020202020204" pitchFamily="34" charset="0"/>
               </a:rPr>
             </a:br>
             <a:r>
-              <a:rPr lang="en-US" altLang="ko-KR" dirty="0" smtClean="0">
+              <a:rPr lang="en-US" altLang="ko-KR" sz="1600" dirty="0" smtClean="0">
                 <a:latin typeface="Century Gothic" panose="020B0502020202020204" pitchFamily="34" charset="0"/>
               </a:rPr>
               <a:t>	- C</a:t>
             </a:r>
             <a:r>
-              <a:rPr lang="en-US" altLang="ko-KR" dirty="0">
+              <a:rPr lang="en-US" altLang="ko-KR" sz="1600" dirty="0">
                 <a:latin typeface="Century Gothic" panose="020B0502020202020204" pitchFamily="34" charset="0"/>
               </a:rPr>
               <a:t>#, ASP.net(Web), </a:t>
             </a:r>
             <a:r>
-              <a:rPr lang="en-US" altLang="ko-KR" dirty="0" smtClean="0">
+              <a:rPr lang="en-US" altLang="ko-KR" sz="1600" dirty="0" smtClean="0">
                 <a:latin typeface="Century Gothic" panose="020B0502020202020204" pitchFamily="34" charset="0"/>
               </a:rPr>
               <a:t>MFC (</a:t>
             </a:r>
             <a:r>
-              <a:rPr lang="en-US" altLang="ko-KR" dirty="0" err="1" smtClean="0">
+              <a:rPr lang="en-US" altLang="ko-KR" sz="1600" dirty="0" err="1" smtClean="0">
                 <a:latin typeface="Century Gothic" panose="020B0502020202020204" pitchFamily="34" charset="0"/>
               </a:rPr>
               <a:t>.Net</a:t>
             </a:r>
             <a:r>
-              <a:rPr lang="en-US" altLang="ko-KR" dirty="0" smtClean="0">
+              <a:rPr lang="en-US" altLang="ko-KR" sz="1600" dirty="0" smtClean="0">
                 <a:latin typeface="Century Gothic" panose="020B0502020202020204" pitchFamily="34" charset="0"/>
               </a:rPr>
               <a:t> Framework 4, 4.5)</a:t>
             </a:r>
             <a:br>
-              <a:rPr lang="en-US" altLang="ko-KR" dirty="0" smtClean="0">
+              <a:rPr lang="en-US" altLang="ko-KR" sz="1600" dirty="0" smtClean="0">
                 <a:latin typeface="Century Gothic" panose="020B0502020202020204" pitchFamily="34" charset="0"/>
               </a:rPr>
             </a:br>
             <a:r>
-              <a:rPr lang="en-US" altLang="ko-KR" dirty="0" smtClean="0">
+              <a:rPr lang="en-US" altLang="ko-KR" sz="1600" dirty="0" smtClean="0">
                 <a:latin typeface="Century Gothic" panose="020B0502020202020204" pitchFamily="34" charset="0"/>
               </a:rPr>
               <a:t>	- Android (</a:t>
             </a:r>
             <a:r>
-              <a:rPr lang="en-US" altLang="ko-KR" dirty="0"/>
+              <a:rPr lang="en-US" altLang="ko-KR" sz="1600" dirty="0"/>
               <a:t>Android SDK </a:t>
             </a:r>
             <a:r>
-              <a:rPr lang="en-US" altLang="ko-KR" dirty="0" smtClean="0"/>
+              <a:rPr lang="en-US" altLang="ko-KR" sz="1600" dirty="0" smtClean="0"/>
               <a:t>16) </a:t>
             </a:r>
             <a:br>
-              <a:rPr lang="en-US" altLang="ko-KR" dirty="0" smtClean="0"/>
+              <a:rPr lang="en-US" altLang="ko-KR" sz="1600" dirty="0" smtClean="0"/>
             </a:br>
             <a:r>
-              <a:rPr lang="en-US" altLang="ko-KR" dirty="0" smtClean="0"/>
+              <a:rPr lang="en-US" altLang="ko-KR" sz="1600" dirty="0" smtClean="0"/>
               <a:t>	 </a:t>
             </a:r>
             <a:r>
-              <a:rPr lang="en-US" altLang="ko-KR" dirty="0" smtClean="0">
+              <a:rPr lang="en-US" altLang="ko-KR" sz="1600" dirty="0" smtClean="0">
                 <a:hlinkClick r:id="rId3"/>
               </a:rPr>
               <a:t>https</a:t>
             </a:r>
             <a:r>
-              <a:rPr lang="en-US" altLang="ko-KR" dirty="0">
+              <a:rPr lang="en-US" altLang="ko-KR" sz="1600" dirty="0">
                 <a:hlinkClick r:id="rId3"/>
               </a:rPr>
               <a:t>://play.google.com/store/apps/details?id=tnanuri.truck</a:t>
             </a:r>
-            <a:endParaRPr lang="en-US" altLang="ko-KR" dirty="0" smtClean="0"/>
+            <a:endParaRPr lang="en-US" altLang="ko-KR" sz="1600" dirty="0" smtClean="0"/>
           </a:p>
           <a:p>
             <a:pPr latinLnBrk="1"/>
             <a:r>
-              <a:rPr lang="en-US" altLang="ko-KR" dirty="0" smtClean="0">
+              <a:rPr lang="en-US" altLang="ko-KR" sz="1600" dirty="0" smtClean="0">
                 <a:latin typeface="Century Gothic" panose="020B0502020202020204" pitchFamily="34" charset="0"/>
               </a:rPr>
               <a:t>	- Oracle(11g)</a:t>
             </a:r>
-            <a:r>
-              <a:rPr lang="en-US" altLang="ko-KR" dirty="0" smtClean="0">
-                <a:latin typeface="Century Gothic" panose="020B0502020202020204" pitchFamily="34" charset="0"/>
-              </a:rPr>
-              <a:t/>
-            </a:r>
             <a:br>
-              <a:rPr lang="en-US" altLang="ko-KR" dirty="0" smtClean="0">
+              <a:rPr lang="en-US" altLang="ko-KR" sz="1600" dirty="0" smtClean="0">
                 <a:latin typeface="Century Gothic" panose="020B0502020202020204" pitchFamily="34" charset="0"/>
               </a:rPr>
             </a:br>
-            <a:endParaRPr lang="ko-KR" altLang="ko-KR" dirty="0">
+            <a:endParaRPr lang="ko-KR" altLang="ko-KR" sz="1600" dirty="0">
               <a:latin typeface="Century Gothic" panose="020B0502020202020204" pitchFamily="34" charset="0"/>
             </a:endParaRPr>
           </a:p>
           <a:p>
             <a:pPr latinLnBrk="1"/>
             <a:r>
-              <a:rPr lang="en-US" altLang="ko-KR" dirty="0">
+              <a:rPr lang="en-US" altLang="ko-KR" sz="1600" dirty="0">
                 <a:latin typeface="Century Gothic" panose="020B0502020202020204" pitchFamily="34" charset="0"/>
               </a:rPr>
               <a:t>  - </a:t>
             </a:r>
             <a:r>
-              <a:rPr lang="ko-KR" altLang="ko-KR" dirty="0" err="1">
+              <a:rPr lang="ko-KR" altLang="ko-KR" sz="1600" dirty="0" err="1">
                 <a:latin typeface="Century Gothic" panose="020B0502020202020204" pitchFamily="34" charset="0"/>
               </a:rPr>
               <a:t>멤버수</a:t>
             </a:r>
             <a:r>
-              <a:rPr lang="en-US" altLang="ko-KR" dirty="0">
+              <a:rPr lang="en-US" altLang="ko-KR" sz="1600" dirty="0">
                 <a:latin typeface="Century Gothic" panose="020B0502020202020204" pitchFamily="34" charset="0"/>
               </a:rPr>
               <a:t> : 2</a:t>
             </a:r>
             <a:r>
-              <a:rPr lang="ko-KR" altLang="ko-KR" dirty="0" smtClean="0">
+              <a:rPr lang="ko-KR" altLang="ko-KR" sz="1600" dirty="0" smtClean="0">
                 <a:latin typeface="Century Gothic" panose="020B0502020202020204" pitchFamily="34" charset="0"/>
               </a:rPr>
               <a:t>명</a:t>
             </a:r>
             <a:r>
-              <a:rPr lang="en-US" altLang="ko-KR" dirty="0" smtClean="0">
+              <a:rPr lang="en-US" altLang="ko-KR" sz="1600" dirty="0" smtClean="0">
                 <a:latin typeface="Century Gothic" panose="020B0502020202020204" pitchFamily="34" charset="0"/>
               </a:rPr>
               <a:t/>
             </a:r>
             <a:br>
-              <a:rPr lang="en-US" altLang="ko-KR" dirty="0" smtClean="0">
+              <a:rPr lang="en-US" altLang="ko-KR" sz="1600" dirty="0" smtClean="0">
                 <a:latin typeface="Century Gothic" panose="020B0502020202020204" pitchFamily="34" charset="0"/>
               </a:rPr>
             </a:br>
-            <a:endParaRPr lang="ko-KR" altLang="ko-KR" dirty="0">
+            <a:endParaRPr lang="ko-KR" altLang="ko-KR" sz="1600" dirty="0">
               <a:latin typeface="Century Gothic" panose="020B0502020202020204" pitchFamily="34" charset="0"/>
             </a:endParaRPr>
           </a:p>
           <a:p>
             <a:pPr latinLnBrk="1"/>
             <a:r>
-              <a:rPr lang="en-US" altLang="ko-KR" dirty="0">
+              <a:rPr lang="en-US" altLang="ko-KR" sz="1600" dirty="0">
                 <a:latin typeface="Century Gothic" panose="020B0502020202020204" pitchFamily="34" charset="0"/>
               </a:rPr>
               <a:t>  - </a:t>
             </a:r>
             <a:r>
-              <a:rPr lang="ko-KR" altLang="ko-KR" dirty="0">
+              <a:rPr lang="ko-KR" altLang="ko-KR" sz="1600" dirty="0">
                 <a:latin typeface="Century Gothic" panose="020B0502020202020204" pitchFamily="34" charset="0"/>
               </a:rPr>
               <a:t>역할</a:t>
             </a:r>
             <a:r>
-              <a:rPr lang="en-US" altLang="ko-KR" dirty="0">
+              <a:rPr lang="en-US" altLang="ko-KR" sz="1600" dirty="0">
                 <a:latin typeface="Century Gothic" panose="020B0502020202020204" pitchFamily="34" charset="0"/>
               </a:rPr>
               <a:t> : PL</a:t>
             </a:r>
-            <a:endParaRPr lang="ko-KR" altLang="ko-KR" dirty="0">
+            <a:endParaRPr lang="ko-KR" altLang="ko-KR" sz="1600" dirty="0">
               <a:latin typeface="Century Gothic" panose="020B0502020202020204" pitchFamily="34" charset="0"/>
             </a:endParaRPr>
           </a:p>
@@ -11471,7 +11635,7 @@
     </p:spTree>
     <p:extLst>
       <p:ext uri="{BB962C8B-B14F-4D97-AF65-F5344CB8AC3E}">
-        <p14:creationId xmlns:p14="http://schemas.microsoft.com/office/powerpoint/2010/main" val="2514214253"/>
+        <p14:creationId xmlns="" xmlns:p14="http://schemas.microsoft.com/office/powerpoint/2010/main" val="2514214253"/>
       </p:ext>
     </p:extLst>
   </p:cSld>
@@ -11513,7 +11677,7 @@
           <a:blip r:embed="rId2" cstate="print">
             <a:extLst>
               <a:ext uri="{28A0092B-C50C-407E-A947-70E740481C1C}">
-                <a14:useLocalDpi xmlns:a14="http://schemas.microsoft.com/office/drawing/2010/main" val="0"/>
+                <a14:useLocalDpi xmlns="" xmlns:a14="http://schemas.microsoft.com/office/drawing/2010/main" val="0"/>
               </a:ext>
             </a:extLst>
           </a:blip>
@@ -11724,7 +11888,7 @@
     </p:spTree>
     <p:extLst>
       <p:ext uri="{BB962C8B-B14F-4D97-AF65-F5344CB8AC3E}">
-        <p14:creationId xmlns:p14="http://schemas.microsoft.com/office/powerpoint/2010/main" val="3938087616"/>
+        <p14:creationId xmlns="" xmlns:p14="http://schemas.microsoft.com/office/powerpoint/2010/main" val="3938087616"/>
       </p:ext>
     </p:extLst>
   </p:cSld>

--- a/Work Experience.pptx
+++ b/Work Experience.pptx
@@ -117,7 +117,7 @@
   </p:defaultTextStyle>
   <p:extLst>
     <p:ext uri="{EFAFB233-063F-42B5-8137-9DF3F51BA10A}">
-      <p15:sldGuideLst xmlns="" xmlns:p15="http://schemas.microsoft.com/office/powerpoint/2012/main">
+      <p15:sldGuideLst xmlns:p15="http://schemas.microsoft.com/office/powerpoint/2012/main" xmlns="">
         <p15:guide id="1" orient="horz" pos="2160" userDrawn="1">
           <p15:clr>
             <a:srgbClr val="A4A3A4"/>
@@ -316,7 +316,7 @@
     </p:spTree>
     <p:extLst>
       <p:ext uri="{BB962C8B-B14F-4D97-AF65-F5344CB8AC3E}">
-        <p14:creationId xmlns="" xmlns:p14="http://schemas.microsoft.com/office/powerpoint/2010/main" val="1669062012"/>
+        <p14:creationId xmlns:p14="http://schemas.microsoft.com/office/powerpoint/2010/main" xmlns="" val="1669062012"/>
       </p:ext>
     </p:extLst>
   </p:cSld>
@@ -625,7 +625,7 @@
     </p:spTree>
     <p:extLst>
       <p:ext uri="{BB962C8B-B14F-4D97-AF65-F5344CB8AC3E}">
-        <p14:creationId xmlns="" xmlns:p14="http://schemas.microsoft.com/office/powerpoint/2010/main" val="393872725"/>
+        <p14:creationId xmlns:p14="http://schemas.microsoft.com/office/powerpoint/2010/main" xmlns="" val="393872725"/>
       </p:ext>
     </p:extLst>
   </p:cSld>
@@ -879,7 +879,7 @@
     </p:spTree>
     <p:extLst>
       <p:ext uri="{BB962C8B-B14F-4D97-AF65-F5344CB8AC3E}">
-        <p14:creationId xmlns="" xmlns:p14="http://schemas.microsoft.com/office/powerpoint/2010/main" val="2349355311"/>
+        <p14:creationId xmlns:p14="http://schemas.microsoft.com/office/powerpoint/2010/main" xmlns="" val="2349355311"/>
       </p:ext>
     </p:extLst>
   </p:cSld>
@@ -1081,7 +1081,7 @@
     </p:spTree>
     <p:extLst>
       <p:ext uri="{BB962C8B-B14F-4D97-AF65-F5344CB8AC3E}">
-        <p14:creationId xmlns="" xmlns:p14="http://schemas.microsoft.com/office/powerpoint/2010/main" val="1150991382"/>
+        <p14:creationId xmlns:p14="http://schemas.microsoft.com/office/powerpoint/2010/main" xmlns="" val="1150991382"/>
       </p:ext>
     </p:extLst>
   </p:cSld>
@@ -1293,7 +1293,7 @@
     </p:spTree>
     <p:extLst>
       <p:ext uri="{BB962C8B-B14F-4D97-AF65-F5344CB8AC3E}">
-        <p14:creationId xmlns="" xmlns:p14="http://schemas.microsoft.com/office/powerpoint/2010/main" val="3047203553"/>
+        <p14:creationId xmlns:p14="http://schemas.microsoft.com/office/powerpoint/2010/main" xmlns="" val="3047203553"/>
       </p:ext>
     </p:extLst>
   </p:cSld>
@@ -1495,7 +1495,7 @@
     </p:spTree>
     <p:extLst>
       <p:ext uri="{BB962C8B-B14F-4D97-AF65-F5344CB8AC3E}">
-        <p14:creationId xmlns="" xmlns:p14="http://schemas.microsoft.com/office/powerpoint/2010/main" val="3341033064"/>
+        <p14:creationId xmlns:p14="http://schemas.microsoft.com/office/powerpoint/2010/main" xmlns="" val="3341033064"/>
       </p:ext>
     </p:extLst>
   </p:cSld>
@@ -1742,7 +1742,7 @@
     </p:spTree>
     <p:extLst>
       <p:ext uri="{BB962C8B-B14F-4D97-AF65-F5344CB8AC3E}">
-        <p14:creationId xmlns="" xmlns:p14="http://schemas.microsoft.com/office/powerpoint/2010/main" val="3364231531"/>
+        <p14:creationId xmlns:p14="http://schemas.microsoft.com/office/powerpoint/2010/main" xmlns="" val="3364231531"/>
       </p:ext>
     </p:extLst>
   </p:cSld>
@@ -2037,7 +2037,7 @@
     </p:spTree>
     <p:extLst>
       <p:ext uri="{BB962C8B-B14F-4D97-AF65-F5344CB8AC3E}">
-        <p14:creationId xmlns="" xmlns:p14="http://schemas.microsoft.com/office/powerpoint/2010/main" val="3882796039"/>
+        <p14:creationId xmlns:p14="http://schemas.microsoft.com/office/powerpoint/2010/main" xmlns="" val="3882796039"/>
       </p:ext>
     </p:extLst>
   </p:cSld>
@@ -2467,7 +2467,7 @@
     </p:spTree>
     <p:extLst>
       <p:ext uri="{BB962C8B-B14F-4D97-AF65-F5344CB8AC3E}">
-        <p14:creationId xmlns="" xmlns:p14="http://schemas.microsoft.com/office/powerpoint/2010/main" val="2385953546"/>
+        <p14:creationId xmlns:p14="http://schemas.microsoft.com/office/powerpoint/2010/main" xmlns="" val="2385953546"/>
       </p:ext>
     </p:extLst>
   </p:cSld>
@@ -2586,7 +2586,7 @@
     </p:spTree>
     <p:extLst>
       <p:ext uri="{BB962C8B-B14F-4D97-AF65-F5344CB8AC3E}">
-        <p14:creationId xmlns="" xmlns:p14="http://schemas.microsoft.com/office/powerpoint/2010/main" val="3856524633"/>
+        <p14:creationId xmlns:p14="http://schemas.microsoft.com/office/powerpoint/2010/main" xmlns="" val="3856524633"/>
       </p:ext>
     </p:extLst>
   </p:cSld>
@@ -2683,7 +2683,7 @@
     </p:spTree>
     <p:extLst>
       <p:ext uri="{BB962C8B-B14F-4D97-AF65-F5344CB8AC3E}">
-        <p14:creationId xmlns="" xmlns:p14="http://schemas.microsoft.com/office/powerpoint/2010/main" val="3842668282"/>
+        <p14:creationId xmlns:p14="http://schemas.microsoft.com/office/powerpoint/2010/main" xmlns="" val="3842668282"/>
       </p:ext>
     </p:extLst>
   </p:cSld>
@@ -2765,7 +2765,7 @@
     </p:spTree>
     <p:extLst>
       <p:ext uri="{BB962C8B-B14F-4D97-AF65-F5344CB8AC3E}">
-        <p14:creationId xmlns="" xmlns:p14="http://schemas.microsoft.com/office/powerpoint/2010/main" val="784990687"/>
+        <p14:creationId xmlns:p14="http://schemas.microsoft.com/office/powerpoint/2010/main" xmlns="" val="784990687"/>
       </p:ext>
     </p:extLst>
   </p:cSld>
@@ -2847,7 +2847,7 @@
     </p:spTree>
     <p:extLst>
       <p:ext uri="{BB962C8B-B14F-4D97-AF65-F5344CB8AC3E}">
-        <p14:creationId xmlns="" xmlns:p14="http://schemas.microsoft.com/office/powerpoint/2010/main" val="1499416444"/>
+        <p14:creationId xmlns:p14="http://schemas.microsoft.com/office/powerpoint/2010/main" xmlns="" val="1499416444"/>
       </p:ext>
     </p:extLst>
   </p:cSld>
@@ -3128,7 +3128,7 @@
     </p:spTree>
     <p:extLst>
       <p:ext uri="{BB962C8B-B14F-4D97-AF65-F5344CB8AC3E}">
-        <p14:creationId xmlns="" xmlns:p14="http://schemas.microsoft.com/office/powerpoint/2010/main" val="2600282793"/>
+        <p14:creationId xmlns:p14="http://schemas.microsoft.com/office/powerpoint/2010/main" xmlns="" val="2600282793"/>
       </p:ext>
     </p:extLst>
   </p:cSld>
@@ -3460,7 +3460,7 @@
           <a:blip r:embed="rId2" cstate="print">
             <a:extLst>
               <a:ext uri="{28A0092B-C50C-407E-A947-70E740481C1C}">
-                <a14:useLocalDpi xmlns="" xmlns:a14="http://schemas.microsoft.com/office/drawing/2010/main" val="0"/>
+                <a14:useLocalDpi xmlns:a14="http://schemas.microsoft.com/office/drawing/2010/main" xmlns="" val="0"/>
               </a:ext>
             </a:extLst>
           </a:blip>
@@ -3583,7 +3583,7 @@
     </p:spTree>
     <p:extLst>
       <p:ext uri="{BB962C8B-B14F-4D97-AF65-F5344CB8AC3E}">
-        <p14:creationId xmlns="" xmlns:p14="http://schemas.microsoft.com/office/powerpoint/2010/main" val="2166285973"/>
+        <p14:creationId xmlns:p14="http://schemas.microsoft.com/office/powerpoint/2010/main" xmlns="" val="2166285973"/>
       </p:ext>
     </p:extLst>
   </p:cSld>
@@ -5091,7 +5091,7 @@
     </p:spTree>
     <p:extLst>
       <p:ext uri="{BB962C8B-B14F-4D97-AF65-F5344CB8AC3E}">
-        <p14:creationId xmlns="" xmlns:p14="http://schemas.microsoft.com/office/powerpoint/2010/main" val="3760192410"/>
+        <p14:creationId xmlns:p14="http://schemas.microsoft.com/office/powerpoint/2010/main" xmlns="" val="3760192410"/>
       </p:ext>
     </p:extLst>
   </p:cSld>
@@ -5133,7 +5133,7 @@
           <a:blip r:embed="rId2" cstate="print">
             <a:extLst>
               <a:ext uri="{28A0092B-C50C-407E-A947-70E740481C1C}">
-                <a14:useLocalDpi xmlns="" xmlns:a14="http://schemas.microsoft.com/office/drawing/2010/main" val="0"/>
+                <a14:useLocalDpi xmlns:a14="http://schemas.microsoft.com/office/drawing/2010/main" xmlns="" val="0"/>
               </a:ext>
             </a:extLst>
           </a:blip>
@@ -5553,7 +5553,7 @@
     </p:spTree>
     <p:extLst>
       <p:ext uri="{BB962C8B-B14F-4D97-AF65-F5344CB8AC3E}">
-        <p14:creationId xmlns="" xmlns:p14="http://schemas.microsoft.com/office/powerpoint/2010/main" val="2407588231"/>
+        <p14:creationId xmlns:p14="http://schemas.microsoft.com/office/powerpoint/2010/main" xmlns="" val="2407588231"/>
       </p:ext>
     </p:extLst>
   </p:cSld>
@@ -5635,7 +5635,7 @@
     </p:spTree>
     <p:extLst>
       <p:ext uri="{BB962C8B-B14F-4D97-AF65-F5344CB8AC3E}">
-        <p14:creationId xmlns="" xmlns:p14="http://schemas.microsoft.com/office/powerpoint/2010/main" val="2337331936"/>
+        <p14:creationId xmlns:p14="http://schemas.microsoft.com/office/powerpoint/2010/main" xmlns="" val="2337331936"/>
       </p:ext>
     </p:extLst>
   </p:cSld>
@@ -6570,7 +6570,7 @@
     </p:spTree>
     <p:extLst>
       <p:ext uri="{BB962C8B-B14F-4D97-AF65-F5344CB8AC3E}">
-        <p14:creationId xmlns="" xmlns:p14="http://schemas.microsoft.com/office/powerpoint/2010/main" val="3964481304"/>
+        <p14:creationId xmlns:p14="http://schemas.microsoft.com/office/powerpoint/2010/main" xmlns="" val="3964481304"/>
       </p:ext>
     </p:extLst>
   </p:cSld>
@@ -6612,7 +6612,7 @@
           <a:blip r:embed="rId2" cstate="print">
             <a:extLst>
               <a:ext uri="{28A0092B-C50C-407E-A947-70E740481C1C}">
-                <a14:useLocalDpi xmlns="" xmlns:a14="http://schemas.microsoft.com/office/drawing/2010/main" val="0"/>
+                <a14:useLocalDpi xmlns:a14="http://schemas.microsoft.com/office/drawing/2010/main" xmlns="" val="0"/>
               </a:ext>
             </a:extLst>
           </a:blip>
@@ -6804,7 +6804,7 @@
     </p:spTree>
     <p:extLst>
       <p:ext uri="{BB962C8B-B14F-4D97-AF65-F5344CB8AC3E}">
-        <p14:creationId xmlns="" xmlns:p14="http://schemas.microsoft.com/office/powerpoint/2010/main" val="1039639385"/>
+        <p14:creationId xmlns:p14="http://schemas.microsoft.com/office/powerpoint/2010/main" xmlns="" val="1039639385"/>
       </p:ext>
     </p:extLst>
   </p:cSld>
@@ -7373,7 +7373,7 @@
           <a:blip r:embed="rId2" cstate="print">
             <a:extLst>
               <a:ext uri="{28A0092B-C50C-407E-A947-70E740481C1C}">
-                <a14:useLocalDpi xmlns="" xmlns:a14="http://schemas.microsoft.com/office/drawing/2010/main" val="0"/>
+                <a14:useLocalDpi xmlns:a14="http://schemas.microsoft.com/office/drawing/2010/main" xmlns="" val="0"/>
               </a:ext>
             </a:extLst>
           </a:blip>
@@ -7398,7 +7398,7 @@
           </a:effectLst>
           <a:extLst>
             <a:ext uri="{909E8E84-426E-40DD-AFC4-6F175D3DCCD1}">
-              <a14:hiddenFill xmlns="" xmlns:a14="http://schemas.microsoft.com/office/drawing/2010/main">
+              <a14:hiddenFill xmlns:a14="http://schemas.microsoft.com/office/drawing/2010/main" xmlns="">
                 <a:solidFill>
                   <a:srgbClr val="FFFFFF"/>
                 </a:solidFill>
@@ -8184,7 +8184,7 @@
     </p:spTree>
     <p:extLst>
       <p:ext uri="{BB962C8B-B14F-4D97-AF65-F5344CB8AC3E}">
-        <p14:creationId xmlns="" xmlns:p14="http://schemas.microsoft.com/office/powerpoint/2010/main" val="1884758462"/>
+        <p14:creationId xmlns:p14="http://schemas.microsoft.com/office/powerpoint/2010/main" xmlns="" val="1884758462"/>
       </p:ext>
     </p:extLst>
   </p:cSld>
@@ -8240,7 +8240,7 @@
             <a:blip r:embed="rId2" cstate="print">
               <a:extLst>
                 <a:ext uri="{28A0092B-C50C-407E-A947-70E740481C1C}">
-                  <a14:useLocalDpi xmlns="" xmlns:a14="http://schemas.microsoft.com/office/drawing/2010/main" val="0"/>
+                  <a14:useLocalDpi xmlns:a14="http://schemas.microsoft.com/office/drawing/2010/main" xmlns="" val="0"/>
                 </a:ext>
               </a:extLst>
             </a:blip>
@@ -8269,7 +8269,7 @@
             <a:blip r:embed="rId2" cstate="print">
               <a:extLst>
                 <a:ext uri="{28A0092B-C50C-407E-A947-70E740481C1C}">
-                  <a14:useLocalDpi xmlns="" xmlns:a14="http://schemas.microsoft.com/office/drawing/2010/main" val="0"/>
+                  <a14:useLocalDpi xmlns:a14="http://schemas.microsoft.com/office/drawing/2010/main" xmlns="" val="0"/>
                 </a:ext>
               </a:extLst>
             </a:blip>
@@ -8438,7 +8438,7 @@
         <p:spPr>
           <a:xfrm>
             <a:off x="321944" y="1828800"/>
-            <a:ext cx="6878955" cy="3877985"/>
+            <a:ext cx="6878955" cy="4370427"/>
           </a:xfrm>
           <a:prstGeom prst="rect">
             <a:avLst/>
@@ -8811,7 +8811,106 @@
                 </a:solidFill>
                 <a:latin typeface="Century Gothic" panose="020B0502020202020204" pitchFamily="34" charset="0"/>
               </a:rPr>
-              <a:t>을 통한 자체 배포</a:t>
+              <a:t>을 통한 </a:t>
+            </a:r>
+            <a:r>
+              <a:rPr lang="ko-KR" altLang="en-US" sz="1600" smtClean="0">
+                <a:solidFill>
+                  <a:schemeClr val="bg1"/>
+                </a:solidFill>
+                <a:latin typeface="Century Gothic" panose="020B0502020202020204" pitchFamily="34" charset="0"/>
+              </a:rPr>
+              <a:t>자체 </a:t>
+            </a:r>
+            <a:r>
+              <a:rPr lang="ko-KR" altLang="en-US" sz="1600" smtClean="0">
+                <a:solidFill>
+                  <a:schemeClr val="bg1"/>
+                </a:solidFill>
+                <a:latin typeface="Century Gothic" panose="020B0502020202020204" pitchFamily="34" charset="0"/>
+              </a:rPr>
+              <a:t>배포</a:t>
+            </a:r>
+            <a:endParaRPr lang="en-US" altLang="ko-KR" sz="1600" smtClean="0">
+              <a:solidFill>
+                <a:schemeClr val="bg1"/>
+              </a:solidFill>
+              <a:latin typeface="Century Gothic" panose="020B0502020202020204" pitchFamily="34" charset="0"/>
+            </a:endParaRPr>
+          </a:p>
+          <a:p>
+            <a:pPr latinLnBrk="1"/>
+            <a:r>
+              <a:rPr lang="en-US" altLang="ko-KR" sz="1600" smtClean="0">
+                <a:solidFill>
+                  <a:schemeClr val="bg1"/>
+                </a:solidFill>
+                <a:latin typeface="Century Gothic" panose="020B0502020202020204" pitchFamily="34" charset="0"/>
+              </a:rPr>
+              <a:t>	</a:t>
+            </a:r>
+            <a:r>
+              <a:rPr lang="en-US" altLang="ko-KR" sz="1600" smtClean="0">
+                <a:solidFill>
+                  <a:schemeClr val="bg1"/>
+                </a:solidFill>
+                <a:latin typeface="Century Gothic" panose="020B0502020202020204" pitchFamily="34" charset="0"/>
+              </a:rPr>
+              <a:t>- Atlan </a:t>
+            </a:r>
+            <a:r>
+              <a:rPr lang="ko-KR" altLang="en-US" sz="1600" smtClean="0">
+                <a:solidFill>
+                  <a:schemeClr val="bg1"/>
+                </a:solidFill>
+                <a:latin typeface="Century Gothic" panose="020B0502020202020204" pitchFamily="34" charset="0"/>
+              </a:rPr>
+              <a:t>맵 라이브러리 사용</a:t>
+            </a:r>
+            <a:r>
+              <a:rPr lang="en-US" altLang="ko-KR" sz="1600" smtClean="0">
+                <a:solidFill>
+                  <a:schemeClr val="bg1"/>
+                </a:solidFill>
+                <a:latin typeface="Century Gothic" panose="020B0502020202020204" pitchFamily="34" charset="0"/>
+              </a:rPr>
+              <a:t>(1.0 ver / 2.0 ver)</a:t>
+            </a:r>
+          </a:p>
+          <a:p>
+            <a:pPr latinLnBrk="1"/>
+            <a:r>
+              <a:rPr lang="en-US" altLang="ko-KR" sz="1600" smtClean="0">
+                <a:solidFill>
+                  <a:schemeClr val="bg1"/>
+                </a:solidFill>
+                <a:latin typeface="Century Gothic" panose="020B0502020202020204" pitchFamily="34" charset="0"/>
+              </a:rPr>
+              <a:t>	</a:t>
+            </a:r>
+            <a:r>
+              <a:rPr lang="en-US" altLang="ko-KR" sz="1600" smtClean="0">
+                <a:solidFill>
+                  <a:schemeClr val="bg1"/>
+                </a:solidFill>
+                <a:latin typeface="Century Gothic" panose="020B0502020202020204" pitchFamily="34" charset="0"/>
+              </a:rPr>
+              <a:t> </a:t>
+            </a:r>
+            <a:r>
+              <a:rPr lang="en-US" altLang="ko-KR" sz="1600" smtClean="0">
+                <a:solidFill>
+                  <a:schemeClr val="bg1"/>
+                </a:solidFill>
+                <a:latin typeface="Century Gothic" panose="020B0502020202020204" pitchFamily="34" charset="0"/>
+              </a:rPr>
+              <a:t> - URL : </a:t>
+            </a:r>
+            <a:r>
+              <a:rPr lang="en-US" altLang="ko-KR" sz="1600" smtClean="0">
+                <a:hlinkClick r:id="rId3"/>
+              </a:rPr>
+              <a:t>http://www.atlan.co.kr/</a:t>
             </a:r>
             <a:endParaRPr lang="en-US" altLang="ko-KR" sz="1600" dirty="0" smtClean="0">
               <a:solidFill>
@@ -9039,7 +9138,7 @@
     </p:spTree>
     <p:extLst>
       <p:ext uri="{BB962C8B-B14F-4D97-AF65-F5344CB8AC3E}">
-        <p14:creationId xmlns="" xmlns:p14="http://schemas.microsoft.com/office/powerpoint/2010/main" val="912171356"/>
+        <p14:creationId xmlns:p14="http://schemas.microsoft.com/office/powerpoint/2010/main" xmlns="" val="912171356"/>
       </p:ext>
     </p:extLst>
   </p:cSld>
@@ -9081,7 +9180,7 @@
           <a:blip r:embed="rId2" cstate="print">
             <a:extLst>
               <a:ext uri="{28A0092B-C50C-407E-A947-70E740481C1C}">
-                <a14:useLocalDpi xmlns="" xmlns:a14="http://schemas.microsoft.com/office/drawing/2010/main" val="0"/>
+                <a14:useLocalDpi xmlns:a14="http://schemas.microsoft.com/office/drawing/2010/main" xmlns="" val="0"/>
               </a:ext>
             </a:extLst>
           </a:blip>
@@ -9277,7 +9376,7 @@
     </p:spTree>
     <p:extLst>
       <p:ext uri="{BB962C8B-B14F-4D97-AF65-F5344CB8AC3E}">
-        <p14:creationId xmlns="" xmlns:p14="http://schemas.microsoft.com/office/powerpoint/2010/main" val="1757066377"/>
+        <p14:creationId xmlns:p14="http://schemas.microsoft.com/office/powerpoint/2010/main" xmlns="" val="1757066377"/>
       </p:ext>
     </p:extLst>
   </p:cSld>
@@ -9285,7 +9384,7 @@
     <a:masterClrMapping/>
   </p:clrMapOvr>
   <mc:AlternateContent xmlns:mc="http://schemas.openxmlformats.org/markup-compatibility/2006">
-    <mc:Choice xmlns:p159="http://schemas.microsoft.com/office/powerpoint/2015/09/main" xmlns="" Requires="p159">
+    <mc:Choice xmlns="" xmlns:p159="http://schemas.microsoft.com/office/powerpoint/2015/09/main" Requires="p159">
       <p:transition xmlns:p14="http://schemas.microsoft.com/office/powerpoint/2010/main" spd="slow" p14:dur="2000">
         <p159:morph option="byObject"/>
       </p:transition>
@@ -9842,7 +9941,7 @@
           <a:blip r:embed="rId2" cstate="print">
             <a:extLst>
               <a:ext uri="{28A0092B-C50C-407E-A947-70E740481C1C}">
-                <a14:useLocalDpi xmlns="" xmlns:a14="http://schemas.microsoft.com/office/drawing/2010/main" val="0"/>
+                <a14:useLocalDpi xmlns:a14="http://schemas.microsoft.com/office/drawing/2010/main" xmlns="" val="0"/>
               </a:ext>
             </a:extLst>
           </a:blip>
@@ -9867,7 +9966,7 @@
           </a:effectLst>
           <a:extLst>
             <a:ext uri="{909E8E84-426E-40DD-AFC4-6F175D3DCCD1}">
-              <a14:hiddenFill xmlns="" xmlns:a14="http://schemas.microsoft.com/office/drawing/2010/main">
+              <a14:hiddenFill xmlns:a14="http://schemas.microsoft.com/office/drawing/2010/main" xmlns="">
                 <a:solidFill>
                   <a:srgbClr val="FFFFFF"/>
                 </a:solidFill>
@@ -11066,7 +11165,7 @@
     </p:spTree>
     <p:extLst>
       <p:ext uri="{BB962C8B-B14F-4D97-AF65-F5344CB8AC3E}">
-        <p14:creationId xmlns="" xmlns:p14="http://schemas.microsoft.com/office/powerpoint/2010/main" val="4031036024"/>
+        <p14:creationId xmlns:p14="http://schemas.microsoft.com/office/powerpoint/2010/main" xmlns="" val="4031036024"/>
       </p:ext>
     </p:extLst>
   </p:cSld>
@@ -11133,7 +11232,7 @@
           <a:blip r:embed="rId2" cstate="print">
             <a:extLst>
               <a:ext uri="{28A0092B-C50C-407E-A947-70E740481C1C}">
-                <a14:useLocalDpi xmlns="" xmlns:a14="http://schemas.microsoft.com/office/drawing/2010/main" val="0"/>
+                <a14:useLocalDpi xmlns:a14="http://schemas.microsoft.com/office/drawing/2010/main" xmlns="" val="0"/>
               </a:ext>
             </a:extLst>
           </a:blip>
@@ -11635,7 +11734,7 @@
     </p:spTree>
     <p:extLst>
       <p:ext uri="{BB962C8B-B14F-4D97-AF65-F5344CB8AC3E}">
-        <p14:creationId xmlns="" xmlns:p14="http://schemas.microsoft.com/office/powerpoint/2010/main" val="2514214253"/>
+        <p14:creationId xmlns:p14="http://schemas.microsoft.com/office/powerpoint/2010/main" xmlns="" val="2514214253"/>
       </p:ext>
     </p:extLst>
   </p:cSld>
@@ -11677,7 +11776,7 @@
           <a:blip r:embed="rId2" cstate="print">
             <a:extLst>
               <a:ext uri="{28A0092B-C50C-407E-A947-70E740481C1C}">
-                <a14:useLocalDpi xmlns="" xmlns:a14="http://schemas.microsoft.com/office/drawing/2010/main" val="0"/>
+                <a14:useLocalDpi xmlns:a14="http://schemas.microsoft.com/office/drawing/2010/main" xmlns="" val="0"/>
               </a:ext>
             </a:extLst>
           </a:blip>
@@ -11888,7 +11987,7 @@
     </p:spTree>
     <p:extLst>
       <p:ext uri="{BB962C8B-B14F-4D97-AF65-F5344CB8AC3E}">
-        <p14:creationId xmlns="" xmlns:p14="http://schemas.microsoft.com/office/powerpoint/2010/main" val="3938087616"/>
+        <p14:creationId xmlns:p14="http://schemas.microsoft.com/office/powerpoint/2010/main" xmlns="" val="3938087616"/>
       </p:ext>
     </p:extLst>
   </p:cSld>
@@ -12096,7 +12195,7 @@
   <a:extraClrSchemeLst/>
   <a:extLst>
     <a:ext uri="{05A4C25C-085E-4340-85A3-A5531E510DB2}">
-      <thm15:themeFamily xmlns="" xmlns:thm15="http://schemas.microsoft.com/office/thememl/2012/main" name="Office Theme" id="{62F939B6-93AF-4DB8-9C6B-D6C7DFDC589F}" vid="{4A3C46E8-61CC-4603-A589-7422A47A8E4A}"/>
+      <thm15:themeFamily xmlns:thm15="http://schemas.microsoft.com/office/thememl/2012/main" xmlns="" name="Office Theme" id="{62F939B6-93AF-4DB8-9C6B-D6C7DFDC589F}" vid="{4A3C46E8-61CC-4603-A589-7422A47A8E4A}"/>
     </a:ext>
   </a:extLst>
 </a:theme>
